--- a/Notebooks/Nederlands/02 - Objecten datastructuren en operatoren/06 - Dictionaries.pptx
+++ b/Notebooks/Nederlands/02 - Objecten datastructuren en operatoren/06 - Dictionaries.pptx
@@ -96,6 +96,37 @@
     <p:sldId id="344" r:id="rId95"/>
     <p:sldId id="345" r:id="rId96"/>
     <p:sldId id="346" r:id="rId97"/>
+    <p:sldId id="347" r:id="rId98"/>
+    <p:sldId id="348" r:id="rId99"/>
+    <p:sldId id="349" r:id="rId100"/>
+    <p:sldId id="350" r:id="rId101"/>
+    <p:sldId id="351" r:id="rId102"/>
+    <p:sldId id="352" r:id="rId103"/>
+    <p:sldId id="353" r:id="rId104"/>
+    <p:sldId id="354" r:id="rId105"/>
+    <p:sldId id="355" r:id="rId106"/>
+    <p:sldId id="356" r:id="rId107"/>
+    <p:sldId id="357" r:id="rId108"/>
+    <p:sldId id="358" r:id="rId109"/>
+    <p:sldId id="359" r:id="rId110"/>
+    <p:sldId id="360" r:id="rId111"/>
+    <p:sldId id="361" r:id="rId112"/>
+    <p:sldId id="362" r:id="rId113"/>
+    <p:sldId id="363" r:id="rId114"/>
+    <p:sldId id="364" r:id="rId115"/>
+    <p:sldId id="365" r:id="rId116"/>
+    <p:sldId id="366" r:id="rId117"/>
+    <p:sldId id="367" r:id="rId118"/>
+    <p:sldId id="368" r:id="rId119"/>
+    <p:sldId id="369" r:id="rId120"/>
+    <p:sldId id="370" r:id="rId121"/>
+    <p:sldId id="371" r:id="rId122"/>
+    <p:sldId id="372" r:id="rId123"/>
+    <p:sldId id="373" r:id="rId124"/>
+    <p:sldId id="374" r:id="rId125"/>
+    <p:sldId id="375" r:id="rId126"/>
+    <p:sldId id="376" r:id="rId127"/>
+    <p:sldId id="377" r:id="rId128"/>
   </p:sldIdLst>
   <p:sldSz cx="9144000" cy="6858000" type="screen4x3"/>
   <p:notesSz cx="6858000" cy="9144000"/>
@@ -3310,6 +3341,584 @@
 </p:sld>
 </file>
 
+<file path=ppt/slides/slide100.xml><?xml version="1.0" encoding="utf-8"?>
+<p:sld xmlns:a="http://schemas.openxmlformats.org/drawingml/2006/main" xmlns:p="http://schemas.openxmlformats.org/presentationml/2006/main" xmlns:r="http://schemas.openxmlformats.org/officeDocument/2006/relationships">
+  <p:cSld>
+    <p:spTree>
+      <p:nvGrpSpPr>
+        <p:cNvPr id="1" name=""/>
+        <p:cNvGrpSpPr/>
+        <p:nvPr/>
+      </p:nvGrpSpPr>
+      <p:grpSpPr/>
+      <p:sp>
+        <p:nvSpPr>
+          <p:cNvPr id="2" name="TextBox 1"/>
+          <p:cNvSpPr txBox="1"/>
+          <p:nvPr/>
+        </p:nvSpPr>
+        <p:spPr>
+          <a:xfrm>
+            <a:off x="914400" y="914400"/>
+            <a:ext cx="914400" cy="914400"/>
+          </a:xfrm>
+          <a:prstGeom prst="rect">
+            <a:avLst/>
+          </a:prstGeom>
+          <a:noFill/>
+        </p:spPr>
+        <p:txBody>
+          <a:bodyPr wrap="none">
+            <a:spAutoFit/>
+          </a:bodyPr>
+          <a:lstStyle/>
+          <a:p>
+            <a:r>
+              <a:t>Python Code: </a:t>
+            </a:r>
+          </a:p>
+          <a:p>
+            <a:pPr>
+              <a:defRPr sz="1200"/>
+            </a:pPr>
+            <a:r>
+              <a:t>``` # Kan een index aanroepen op die value (waarde)</a:t>
+            </a:r>
+            <a:br/>
+            <a:r>
+              <a:t> `````` my_dict['key3'][0] ```</a:t>
+            </a:r>
+            <a:br/>
+          </a:p>
+        </p:txBody>
+      </p:sp>
+    </p:spTree>
+  </p:cSld>
+  <p:clrMapOvr>
+    <a:masterClrMapping/>
+  </p:clrMapOvr>
+</p:sld>
+</file>
+
+<file path=ppt/slides/slide101.xml><?xml version="1.0" encoding="utf-8"?>
+<p:sld xmlns:a="http://schemas.openxmlformats.org/drawingml/2006/main" xmlns:p="http://schemas.openxmlformats.org/presentationml/2006/main" xmlns:r="http://schemas.openxmlformats.org/officeDocument/2006/relationships">
+  <p:cSld>
+    <p:spTree>
+      <p:nvGrpSpPr>
+        <p:cNvPr id="1" name=""/>
+        <p:cNvGrpSpPr/>
+        <p:nvPr/>
+      </p:nvGrpSpPr>
+      <p:grpSpPr/>
+      <p:sp>
+        <p:nvSpPr>
+          <p:cNvPr id="2" name="TextBox 1"/>
+          <p:cNvSpPr txBox="1"/>
+          <p:nvPr/>
+        </p:nvSpPr>
+        <p:spPr>
+          <a:xfrm>
+            <a:off x="914400" y="914400"/>
+            <a:ext cx="914400" cy="914400"/>
+          </a:xfrm>
+          <a:prstGeom prst="rect">
+            <a:avLst/>
+          </a:prstGeom>
+          <a:noFill/>
+        </p:spPr>
+        <p:txBody>
+          <a:bodyPr wrap="none">
+            <a:spAutoFit/>
+          </a:bodyPr>
+          <a:lstStyle/>
+          <a:p>
+            <a:r>
+              <a:t>Python Code: </a:t>
+            </a:r>
+          </a:p>
+          <a:p>
+            <a:pPr>
+              <a:defRPr sz="1200"/>
+            </a:pPr>
+            <a:r>
+              <a:t>``` # Kan dan zelfs methoden op die value (waarde) aanroepen</a:t>
+            </a:r>
+            <a:br/>
+            <a:r>
+              <a:t> `````` my_dict['key3'][0].upper() ```</a:t>
+            </a:r>
+            <a:br/>
+          </a:p>
+        </p:txBody>
+      </p:sp>
+    </p:spTree>
+  </p:cSld>
+  <p:clrMapOvr>
+    <a:masterClrMapping/>
+  </p:clrMapOvr>
+</p:sld>
+</file>
+
+<file path=ppt/slides/slide102.xml><?xml version="1.0" encoding="utf-8"?>
+<p:sld xmlns:a="http://schemas.openxmlformats.org/drawingml/2006/main" xmlns:p="http://schemas.openxmlformats.org/presentationml/2006/main" xmlns:r="http://schemas.openxmlformats.org/officeDocument/2006/relationships">
+  <p:cSld>
+    <p:spTree>
+      <p:nvGrpSpPr>
+        <p:cNvPr id="1" name=""/>
+        <p:cNvGrpSpPr/>
+        <p:nvPr/>
+      </p:nvGrpSpPr>
+      <p:grpSpPr/>
+      <p:sp>
+        <p:nvSpPr>
+          <p:cNvPr id="2" name="TextBox 1"/>
+          <p:cNvSpPr txBox="1"/>
+          <p:nvPr/>
+        </p:nvSpPr>
+        <p:spPr>
+          <a:xfrm>
+            <a:off x="914400" y="914400"/>
+            <a:ext cx="914400" cy="914400"/>
+          </a:xfrm>
+          <a:prstGeom prst="rect">
+            <a:avLst/>
+          </a:prstGeom>
+          <a:noFill/>
+        </p:spPr>
+        <p:txBody>
+          <a:bodyPr wrap="none">
+            <a:spAutoFit/>
+          </a:bodyPr>
+          <a:lstStyle/>
+          <a:p>
+            <a:r>
+              <a:t>Info:</a:t>
+            </a:r>
+          </a:p>
+          <a:p>
+            <a:pPr>
+              <a:defRPr sz="1200"/>
+            </a:pPr>
+            <a:r>
+              <a:t>We kunnen ook invloed hebben op de waarden van een sleutel. Bijvoorbeeld:</a:t>
+            </a:r>
+            <a:br/>
+          </a:p>
+        </p:txBody>
+      </p:sp>
+    </p:spTree>
+  </p:cSld>
+  <p:clrMapOvr>
+    <a:masterClrMapping/>
+  </p:clrMapOvr>
+</p:sld>
+</file>
+
+<file path=ppt/slides/slide103.xml><?xml version="1.0" encoding="utf-8"?>
+<p:sld xmlns:a="http://schemas.openxmlformats.org/drawingml/2006/main" xmlns:p="http://schemas.openxmlformats.org/presentationml/2006/main" xmlns:r="http://schemas.openxmlformats.org/officeDocument/2006/relationships">
+  <p:cSld>
+    <p:spTree>
+      <p:nvGrpSpPr>
+        <p:cNvPr id="1" name=""/>
+        <p:cNvGrpSpPr/>
+        <p:nvPr/>
+      </p:nvGrpSpPr>
+      <p:grpSpPr/>
+      <p:sp>
+        <p:nvSpPr>
+          <p:cNvPr id="2" name="TextBox 1"/>
+          <p:cNvSpPr txBox="1"/>
+          <p:nvPr/>
+        </p:nvSpPr>
+        <p:spPr>
+          <a:xfrm>
+            <a:off x="914400" y="914400"/>
+            <a:ext cx="914400" cy="914400"/>
+          </a:xfrm>
+          <a:prstGeom prst="rect">
+            <a:avLst/>
+          </a:prstGeom>
+          <a:noFill/>
+        </p:spPr>
+        <p:txBody>
+          <a:bodyPr wrap="none">
+            <a:spAutoFit/>
+          </a:bodyPr>
+          <a:lstStyle/>
+          <a:p>
+            <a:r>
+              <a:t>Python Code: </a:t>
+            </a:r>
+          </a:p>
+          <a:p>
+            <a:pPr>
+              <a:defRPr sz="1200"/>
+            </a:pPr>
+            <a:r>
+              <a:t>``` my_dict['key1'] ```</a:t>
+            </a:r>
+            <a:br/>
+          </a:p>
+        </p:txBody>
+      </p:sp>
+    </p:spTree>
+  </p:cSld>
+  <p:clrMapOvr>
+    <a:masterClrMapping/>
+  </p:clrMapOvr>
+</p:sld>
+</file>
+
+<file path=ppt/slides/slide104.xml><?xml version="1.0" encoding="utf-8"?>
+<p:sld xmlns:a="http://schemas.openxmlformats.org/drawingml/2006/main" xmlns:p="http://schemas.openxmlformats.org/presentationml/2006/main" xmlns:r="http://schemas.openxmlformats.org/officeDocument/2006/relationships">
+  <p:cSld>
+    <p:spTree>
+      <p:nvGrpSpPr>
+        <p:cNvPr id="1" name=""/>
+        <p:cNvGrpSpPr/>
+        <p:nvPr/>
+      </p:nvGrpSpPr>
+      <p:grpSpPr/>
+      <p:sp>
+        <p:nvSpPr>
+          <p:cNvPr id="2" name="TextBox 1"/>
+          <p:cNvSpPr txBox="1"/>
+          <p:nvPr/>
+        </p:nvSpPr>
+        <p:spPr>
+          <a:xfrm>
+            <a:off x="914400" y="914400"/>
+            <a:ext cx="914400" cy="914400"/>
+          </a:xfrm>
+          <a:prstGeom prst="rect">
+            <a:avLst/>
+          </a:prstGeom>
+          <a:noFill/>
+        </p:spPr>
+        <p:txBody>
+          <a:bodyPr wrap="none">
+            <a:spAutoFit/>
+          </a:bodyPr>
+          <a:lstStyle/>
+          <a:p>
+            <a:r>
+              <a:t>Python Code: </a:t>
+            </a:r>
+          </a:p>
+          <a:p>
+            <a:pPr>
+              <a:defRPr sz="1200"/>
+            </a:pPr>
+            <a:r>
+              <a:t>``` # Trek 123 af van de value (waarde)</a:t>
+            </a:r>
+            <a:br/>
+            <a:r>
+              <a:t> `````` my_dict['key1'] = my_dict['key1'] - 123 ```</a:t>
+            </a:r>
+            <a:br/>
+          </a:p>
+        </p:txBody>
+      </p:sp>
+    </p:spTree>
+  </p:cSld>
+  <p:clrMapOvr>
+    <a:masterClrMapping/>
+  </p:clrMapOvr>
+</p:sld>
+</file>
+
+<file path=ppt/slides/slide105.xml><?xml version="1.0" encoding="utf-8"?>
+<p:sld xmlns:a="http://schemas.openxmlformats.org/drawingml/2006/main" xmlns:p="http://schemas.openxmlformats.org/presentationml/2006/main" xmlns:r="http://schemas.openxmlformats.org/officeDocument/2006/relationships">
+  <p:cSld>
+    <p:spTree>
+      <p:nvGrpSpPr>
+        <p:cNvPr id="1" name=""/>
+        <p:cNvGrpSpPr/>
+        <p:nvPr/>
+      </p:nvGrpSpPr>
+      <p:grpSpPr/>
+      <p:sp>
+        <p:nvSpPr>
+          <p:cNvPr id="2" name="TextBox 1"/>
+          <p:cNvSpPr txBox="1"/>
+          <p:nvPr/>
+        </p:nvSpPr>
+        <p:spPr>
+          <a:xfrm>
+            <a:off x="914400" y="914400"/>
+            <a:ext cx="914400" cy="914400"/>
+          </a:xfrm>
+          <a:prstGeom prst="rect">
+            <a:avLst/>
+          </a:prstGeom>
+          <a:noFill/>
+        </p:spPr>
+        <p:txBody>
+          <a:bodyPr wrap="none">
+            <a:spAutoFit/>
+          </a:bodyPr>
+          <a:lstStyle/>
+          <a:p>
+            <a:r>
+              <a:t>Python Code: </a:t>
+            </a:r>
+          </a:p>
+          <a:p>
+            <a:pPr>
+              <a:defRPr sz="1200"/>
+            </a:pPr>
+            <a:r>
+              <a:t>``` #Controleren</a:t>
+            </a:r>
+            <a:br/>
+            <a:r>
+              <a:t> `````` my_dict['key1'] ```</a:t>
+            </a:r>
+            <a:br/>
+          </a:p>
+        </p:txBody>
+      </p:sp>
+    </p:spTree>
+  </p:cSld>
+  <p:clrMapOvr>
+    <a:masterClrMapping/>
+  </p:clrMapOvr>
+</p:sld>
+</file>
+
+<file path=ppt/slides/slide106.xml><?xml version="1.0" encoding="utf-8"?>
+<p:sld xmlns:a="http://schemas.openxmlformats.org/drawingml/2006/main" xmlns:p="http://schemas.openxmlformats.org/presentationml/2006/main" xmlns:r="http://schemas.openxmlformats.org/officeDocument/2006/relationships">
+  <p:cSld>
+    <p:spTree>
+      <p:nvGrpSpPr>
+        <p:cNvPr id="1" name=""/>
+        <p:cNvGrpSpPr/>
+        <p:nvPr/>
+      </p:nvGrpSpPr>
+      <p:grpSpPr/>
+      <p:sp>
+        <p:nvSpPr>
+          <p:cNvPr id="2" name="TextBox 1"/>
+          <p:cNvSpPr txBox="1"/>
+          <p:nvPr/>
+        </p:nvSpPr>
+        <p:spPr>
+          <a:xfrm>
+            <a:off x="914400" y="914400"/>
+            <a:ext cx="914400" cy="914400"/>
+          </a:xfrm>
+          <a:prstGeom prst="rect">
+            <a:avLst/>
+          </a:prstGeom>
+          <a:noFill/>
+        </p:spPr>
+        <p:txBody>
+          <a:bodyPr wrap="none">
+            <a:spAutoFit/>
+          </a:bodyPr>
+          <a:lstStyle/>
+          <a:p>
+            <a:r>
+              <a:t>Info:</a:t>
+            </a:r>
+          </a:p>
+          <a:p>
+            <a:pPr>
+              <a:defRPr sz="1200"/>
+            </a:pPr>
+            <a:r>
+              <a:t>Een snelle opmerking, Python heeft een ingebouwde methode om zelf af te trekken of op te tellen (of vermenigvuldigen of delen). We hadden ook += of -= kunnen gebruiken voor de bovenstaande verklaring. Bijvoorbeeld:</a:t>
+            </a:r>
+            <a:br/>
+          </a:p>
+        </p:txBody>
+      </p:sp>
+    </p:spTree>
+  </p:cSld>
+  <p:clrMapOvr>
+    <a:masterClrMapping/>
+  </p:clrMapOvr>
+</p:sld>
+</file>
+
+<file path=ppt/slides/slide107.xml><?xml version="1.0" encoding="utf-8"?>
+<p:sld xmlns:a="http://schemas.openxmlformats.org/drawingml/2006/main" xmlns:p="http://schemas.openxmlformats.org/presentationml/2006/main" xmlns:r="http://schemas.openxmlformats.org/officeDocument/2006/relationships">
+  <p:cSld>
+    <p:spTree>
+      <p:nvGrpSpPr>
+        <p:cNvPr id="1" name=""/>
+        <p:cNvGrpSpPr/>
+        <p:nvPr/>
+      </p:nvGrpSpPr>
+      <p:grpSpPr/>
+      <p:sp>
+        <p:nvSpPr>
+          <p:cNvPr id="2" name="TextBox 1"/>
+          <p:cNvSpPr txBox="1"/>
+          <p:nvPr/>
+        </p:nvSpPr>
+        <p:spPr>
+          <a:xfrm>
+            <a:off x="914400" y="914400"/>
+            <a:ext cx="914400" cy="914400"/>
+          </a:xfrm>
+          <a:prstGeom prst="rect">
+            <a:avLst/>
+          </a:prstGeom>
+          <a:noFill/>
+        </p:spPr>
+        <p:txBody>
+          <a:bodyPr wrap="none">
+            <a:spAutoFit/>
+          </a:bodyPr>
+          <a:lstStyle/>
+          <a:p>
+            <a:r>
+              <a:t>Python Code: </a:t>
+            </a:r>
+          </a:p>
+          <a:p>
+            <a:pPr>
+              <a:defRPr sz="1200"/>
+            </a:pPr>
+            <a:r>
+              <a:t>``` # Stel het object gelijk aan zichzelf min (-) 123</a:t>
+            </a:r>
+            <a:br/>
+            <a:r>
+              <a:t> `````` my_dict['key1'] -= 123</a:t>
+            </a:r>
+            <a:br/>
+            <a:r>
+              <a:t> `````` my_dict['key1'] ```</a:t>
+            </a:r>
+            <a:br/>
+          </a:p>
+        </p:txBody>
+      </p:sp>
+    </p:spTree>
+  </p:cSld>
+  <p:clrMapOvr>
+    <a:masterClrMapping/>
+  </p:clrMapOvr>
+</p:sld>
+</file>
+
+<file path=ppt/slides/slide108.xml><?xml version="1.0" encoding="utf-8"?>
+<p:sld xmlns:a="http://schemas.openxmlformats.org/drawingml/2006/main" xmlns:p="http://schemas.openxmlformats.org/presentationml/2006/main" xmlns:r="http://schemas.openxmlformats.org/officeDocument/2006/relationships">
+  <p:cSld>
+    <p:spTree>
+      <p:nvGrpSpPr>
+        <p:cNvPr id="1" name=""/>
+        <p:cNvGrpSpPr/>
+        <p:nvPr/>
+      </p:nvGrpSpPr>
+      <p:grpSpPr/>
+      <p:sp>
+        <p:nvSpPr>
+          <p:cNvPr id="2" name="TextBox 1"/>
+          <p:cNvSpPr txBox="1"/>
+          <p:nvPr/>
+        </p:nvSpPr>
+        <p:spPr>
+          <a:xfrm>
+            <a:off x="914400" y="914400"/>
+            <a:ext cx="914400" cy="914400"/>
+          </a:xfrm>
+          <a:prstGeom prst="rect">
+            <a:avLst/>
+          </a:prstGeom>
+          <a:noFill/>
+        </p:spPr>
+        <p:txBody>
+          <a:bodyPr wrap="none">
+            <a:spAutoFit/>
+          </a:bodyPr>
+          <a:lstStyle/>
+          <a:p>
+            <a:r>
+              <a:t>Info:</a:t>
+            </a:r>
+          </a:p>
+          <a:p>
+            <a:pPr>
+              <a:defRPr sz="1200"/>
+            </a:pPr>
+            <a:r>
+              <a:t>We kunnen ook sleutels maken op basis van toewijzing. Als we bijvoorbeeld zouden beginnen met een leeg woordenboek, zouden we er voortdurend aan kunnen toevoegen:</a:t>
+            </a:r>
+            <a:br/>
+          </a:p>
+        </p:txBody>
+      </p:sp>
+    </p:spTree>
+  </p:cSld>
+  <p:clrMapOvr>
+    <a:masterClrMapping/>
+  </p:clrMapOvr>
+</p:sld>
+</file>
+
+<file path=ppt/slides/slide109.xml><?xml version="1.0" encoding="utf-8"?>
+<p:sld xmlns:a="http://schemas.openxmlformats.org/drawingml/2006/main" xmlns:p="http://schemas.openxmlformats.org/presentationml/2006/main" xmlns:r="http://schemas.openxmlformats.org/officeDocument/2006/relationships">
+  <p:cSld>
+    <p:spTree>
+      <p:nvGrpSpPr>
+        <p:cNvPr id="1" name=""/>
+        <p:cNvGrpSpPr/>
+        <p:nvPr/>
+      </p:nvGrpSpPr>
+      <p:grpSpPr/>
+      <p:sp>
+        <p:nvSpPr>
+          <p:cNvPr id="2" name="TextBox 1"/>
+          <p:cNvSpPr txBox="1"/>
+          <p:nvPr/>
+        </p:nvSpPr>
+        <p:spPr>
+          <a:xfrm>
+            <a:off x="914400" y="914400"/>
+            <a:ext cx="914400" cy="914400"/>
+          </a:xfrm>
+          <a:prstGeom prst="rect">
+            <a:avLst/>
+          </a:prstGeom>
+          <a:noFill/>
+        </p:spPr>
+        <p:txBody>
+          <a:bodyPr wrap="none">
+            <a:spAutoFit/>
+          </a:bodyPr>
+          <a:lstStyle/>
+          <a:p>
+            <a:r>
+              <a:t>Python Code: </a:t>
+            </a:r>
+          </a:p>
+          <a:p>
+            <a:pPr>
+              <a:defRPr sz="1200"/>
+            </a:pPr>
+            <a:r>
+              <a:t>``` # Maak een nieuw dictionary/woordenboek aan</a:t>
+            </a:r>
+            <a:br/>
+            <a:r>
+              <a:t> `````` d = {} ```</a:t>
+            </a:r>
+            <a:br/>
+          </a:p>
+        </p:txBody>
+      </p:sp>
+    </p:spTree>
+  </p:cSld>
+  <p:clrMapOvr>
+    <a:masterClrMapping/>
+  </p:clrMapOvr>
+</p:sld>
+</file>
+
 <file path=ppt/slides/slide11.xml><?xml version="1.0" encoding="utf-8"?>
 <p:sld xmlns:a="http://schemas.openxmlformats.org/drawingml/2006/main" xmlns:p="http://schemas.openxmlformats.org/presentationml/2006/main" xmlns:r="http://schemas.openxmlformats.org/officeDocument/2006/relationships">
   <p:cSld>
@@ -3371,6 +3980,594 @@
 </p:sld>
 </file>
 
+<file path=ppt/slides/slide110.xml><?xml version="1.0" encoding="utf-8"?>
+<p:sld xmlns:a="http://schemas.openxmlformats.org/drawingml/2006/main" xmlns:p="http://schemas.openxmlformats.org/presentationml/2006/main" xmlns:r="http://schemas.openxmlformats.org/officeDocument/2006/relationships">
+  <p:cSld>
+    <p:spTree>
+      <p:nvGrpSpPr>
+        <p:cNvPr id="1" name=""/>
+        <p:cNvGrpSpPr/>
+        <p:nvPr/>
+      </p:nvGrpSpPr>
+      <p:grpSpPr/>
+      <p:sp>
+        <p:nvSpPr>
+          <p:cNvPr id="2" name="TextBox 1"/>
+          <p:cNvSpPr txBox="1"/>
+          <p:nvPr/>
+        </p:nvSpPr>
+        <p:spPr>
+          <a:xfrm>
+            <a:off x="914400" y="914400"/>
+            <a:ext cx="914400" cy="914400"/>
+          </a:xfrm>
+          <a:prstGeom prst="rect">
+            <a:avLst/>
+          </a:prstGeom>
+          <a:noFill/>
+        </p:spPr>
+        <p:txBody>
+          <a:bodyPr wrap="none">
+            <a:spAutoFit/>
+          </a:bodyPr>
+          <a:lstStyle/>
+          <a:p>
+            <a:r>
+              <a:t>Python Code: </a:t>
+            </a:r>
+          </a:p>
+          <a:p>
+            <a:pPr>
+              <a:defRPr sz="1200"/>
+            </a:pPr>
+            <a:r>
+              <a:t>``` # Maak een nieuwe sleutel via toewijzing (assignment) aan</a:t>
+            </a:r>
+            <a:br/>
+            <a:r>
+              <a:t> `````` d['animal'] = 'Dog' ```</a:t>
+            </a:r>
+            <a:br/>
+          </a:p>
+        </p:txBody>
+      </p:sp>
+    </p:spTree>
+  </p:cSld>
+  <p:clrMapOvr>
+    <a:masterClrMapping/>
+  </p:clrMapOvr>
+</p:sld>
+</file>
+
+<file path=ppt/slides/slide111.xml><?xml version="1.0" encoding="utf-8"?>
+<p:sld xmlns:a="http://schemas.openxmlformats.org/drawingml/2006/main" xmlns:p="http://schemas.openxmlformats.org/presentationml/2006/main" xmlns:r="http://schemas.openxmlformats.org/officeDocument/2006/relationships">
+  <p:cSld>
+    <p:spTree>
+      <p:nvGrpSpPr>
+        <p:cNvPr id="1" name=""/>
+        <p:cNvGrpSpPr/>
+        <p:nvPr/>
+      </p:nvGrpSpPr>
+      <p:grpSpPr/>
+      <p:sp>
+        <p:nvSpPr>
+          <p:cNvPr id="2" name="TextBox 1"/>
+          <p:cNvSpPr txBox="1"/>
+          <p:nvPr/>
+        </p:nvSpPr>
+        <p:spPr>
+          <a:xfrm>
+            <a:off x="914400" y="914400"/>
+            <a:ext cx="914400" cy="914400"/>
+          </a:xfrm>
+          <a:prstGeom prst="rect">
+            <a:avLst/>
+          </a:prstGeom>
+          <a:noFill/>
+        </p:spPr>
+        <p:txBody>
+          <a:bodyPr wrap="none">
+            <a:spAutoFit/>
+          </a:bodyPr>
+          <a:lstStyle/>
+          <a:p>
+            <a:r>
+              <a:t>Python Code: </a:t>
+            </a:r>
+          </a:p>
+          <a:p>
+            <a:pPr>
+              <a:defRPr sz="1200"/>
+            </a:pPr>
+            <a:r>
+              <a:t>``` # Kan dit met elk object doen</a:t>
+            </a:r>
+            <a:br/>
+            <a:r>
+              <a:t> `````` d['answer'] = 42 ```</a:t>
+            </a:r>
+            <a:br/>
+          </a:p>
+        </p:txBody>
+      </p:sp>
+    </p:spTree>
+  </p:cSld>
+  <p:clrMapOvr>
+    <a:masterClrMapping/>
+  </p:clrMapOvr>
+</p:sld>
+</file>
+
+<file path=ppt/slides/slide112.xml><?xml version="1.0" encoding="utf-8"?>
+<p:sld xmlns:a="http://schemas.openxmlformats.org/drawingml/2006/main" xmlns:p="http://schemas.openxmlformats.org/presentationml/2006/main" xmlns:r="http://schemas.openxmlformats.org/officeDocument/2006/relationships">
+  <p:cSld>
+    <p:spTree>
+      <p:nvGrpSpPr>
+        <p:cNvPr id="1" name=""/>
+        <p:cNvGrpSpPr/>
+        <p:nvPr/>
+      </p:nvGrpSpPr>
+      <p:grpSpPr/>
+      <p:sp>
+        <p:nvSpPr>
+          <p:cNvPr id="2" name="TextBox 1"/>
+          <p:cNvSpPr txBox="1"/>
+          <p:nvPr/>
+        </p:nvSpPr>
+        <p:spPr>
+          <a:xfrm>
+            <a:off x="914400" y="914400"/>
+            <a:ext cx="914400" cy="914400"/>
+          </a:xfrm>
+          <a:prstGeom prst="rect">
+            <a:avLst/>
+          </a:prstGeom>
+          <a:noFill/>
+        </p:spPr>
+        <p:txBody>
+          <a:bodyPr wrap="none">
+            <a:spAutoFit/>
+          </a:bodyPr>
+          <a:lstStyle/>
+          <a:p>
+            <a:r>
+              <a:t>Python Code: </a:t>
+            </a:r>
+          </a:p>
+          <a:p>
+            <a:pPr>
+              <a:defRPr sz="1200"/>
+            </a:pPr>
+            <a:r>
+              <a:t>``` #Tonen</a:t>
+            </a:r>
+            <a:br/>
+            <a:r>
+              <a:t> `````` d ```</a:t>
+            </a:r>
+            <a:br/>
+          </a:p>
+        </p:txBody>
+      </p:sp>
+    </p:spTree>
+  </p:cSld>
+  <p:clrMapOvr>
+    <a:masterClrMapping/>
+  </p:clrMapOvr>
+</p:sld>
+</file>
+
+<file path=ppt/slides/slide113.xml><?xml version="1.0" encoding="utf-8"?>
+<p:sld xmlns:a="http://schemas.openxmlformats.org/drawingml/2006/main" xmlns:p="http://schemas.openxmlformats.org/presentationml/2006/main" xmlns:r="http://schemas.openxmlformats.org/officeDocument/2006/relationships">
+  <p:cSld>
+    <p:spTree>
+      <p:nvGrpSpPr>
+        <p:cNvPr id="1" name=""/>
+        <p:cNvGrpSpPr/>
+        <p:nvPr/>
+      </p:nvGrpSpPr>
+      <p:grpSpPr/>
+      <p:sp>
+        <p:nvSpPr>
+          <p:cNvPr id="2" name="TextBox 1"/>
+          <p:cNvSpPr txBox="1"/>
+          <p:nvPr/>
+        </p:nvSpPr>
+        <p:spPr>
+          <a:xfrm>
+            <a:off x="914400" y="914400"/>
+            <a:ext cx="914400" cy="914400"/>
+          </a:xfrm>
+          <a:prstGeom prst="rect">
+            <a:avLst/>
+          </a:prstGeom>
+          <a:noFill/>
+        </p:spPr>
+        <p:txBody>
+          <a:bodyPr wrap="none">
+            <a:spAutoFit/>
+          </a:bodyPr>
+          <a:lstStyle/>
+          <a:p>
+            <a:r>
+              <a:t>Info:</a:t>
+            </a:r>
+          </a:p>
+          <a:p>
+            <a:pPr>
+              <a:defRPr sz="1200"/>
+            </a:pPr>
+            <a:r>
+              <a:t>## Geneste dictionaries/woordenboeken</a:t>
+            </a:r>
+            <a:br/>
+            <a:br/>
+            <a:r>
+              <a:t>Hopelijk begin je te zien hoe krachtig Python is met zijn flexibiliteit om objecten te nesten en methoden erop aan te roepen. Laten we een woordenboek bekijken dat in een woordenboek is genest:</a:t>
+            </a:r>
+            <a:br/>
+          </a:p>
+        </p:txBody>
+      </p:sp>
+    </p:spTree>
+  </p:cSld>
+  <p:clrMapOvr>
+    <a:masterClrMapping/>
+  </p:clrMapOvr>
+</p:sld>
+</file>
+
+<file path=ppt/slides/slide114.xml><?xml version="1.0" encoding="utf-8"?>
+<p:sld xmlns:a="http://schemas.openxmlformats.org/drawingml/2006/main" xmlns:p="http://schemas.openxmlformats.org/presentationml/2006/main" xmlns:r="http://schemas.openxmlformats.org/officeDocument/2006/relationships">
+  <p:cSld>
+    <p:spTree>
+      <p:nvGrpSpPr>
+        <p:cNvPr id="1" name=""/>
+        <p:cNvGrpSpPr/>
+        <p:nvPr/>
+      </p:nvGrpSpPr>
+      <p:grpSpPr/>
+      <p:sp>
+        <p:nvSpPr>
+          <p:cNvPr id="2" name="TextBox 1"/>
+          <p:cNvSpPr txBox="1"/>
+          <p:nvPr/>
+        </p:nvSpPr>
+        <p:spPr>
+          <a:xfrm>
+            <a:off x="914400" y="914400"/>
+            <a:ext cx="914400" cy="914400"/>
+          </a:xfrm>
+          <a:prstGeom prst="rect">
+            <a:avLst/>
+          </a:prstGeom>
+          <a:noFill/>
+        </p:spPr>
+        <p:txBody>
+          <a:bodyPr wrap="none">
+            <a:spAutoFit/>
+          </a:bodyPr>
+          <a:lstStyle/>
+          <a:p>
+            <a:r>
+              <a:t>Python Code: </a:t>
+            </a:r>
+          </a:p>
+          <a:p>
+            <a:pPr>
+              <a:defRPr sz="1200"/>
+            </a:pPr>
+            <a:r>
+              <a:t>``` # Woordenboek genest in een woordenboek genest in een woordenboek</a:t>
+            </a:r>
+            <a:br/>
+            <a:r>
+              <a:t> `````` d = {'key1':{'nestkey':{'subnestkey':'value'}}} ```</a:t>
+            </a:r>
+            <a:br/>
+          </a:p>
+        </p:txBody>
+      </p:sp>
+    </p:spTree>
+  </p:cSld>
+  <p:clrMapOvr>
+    <a:masterClrMapping/>
+  </p:clrMapOvr>
+</p:sld>
+</file>
+
+<file path=ppt/slides/slide115.xml><?xml version="1.0" encoding="utf-8"?>
+<p:sld xmlns:a="http://schemas.openxmlformats.org/drawingml/2006/main" xmlns:p="http://schemas.openxmlformats.org/presentationml/2006/main" xmlns:r="http://schemas.openxmlformats.org/officeDocument/2006/relationships">
+  <p:cSld>
+    <p:spTree>
+      <p:nvGrpSpPr>
+        <p:cNvPr id="1" name=""/>
+        <p:cNvGrpSpPr/>
+        <p:nvPr/>
+      </p:nvGrpSpPr>
+      <p:grpSpPr/>
+      <p:sp>
+        <p:nvSpPr>
+          <p:cNvPr id="2" name="TextBox 1"/>
+          <p:cNvSpPr txBox="1"/>
+          <p:nvPr/>
+        </p:nvSpPr>
+        <p:spPr>
+          <a:xfrm>
+            <a:off x="914400" y="914400"/>
+            <a:ext cx="914400" cy="914400"/>
+          </a:xfrm>
+          <a:prstGeom prst="rect">
+            <a:avLst/>
+          </a:prstGeom>
+          <a:noFill/>
+        </p:spPr>
+        <p:txBody>
+          <a:bodyPr wrap="none">
+            <a:spAutoFit/>
+          </a:bodyPr>
+          <a:lstStyle/>
+          <a:p>
+            <a:r>
+              <a:t>Info:</a:t>
+            </a:r>
+          </a:p>
+          <a:p>
+            <a:pPr>
+              <a:defRPr sz="1200"/>
+            </a:pPr>
+            <a:r>
+              <a:t>Wauw! Dat is nogal een begin van woordenboeken! Laten we eens kijken hoe we die value (waarde) kunnen grijpen:</a:t>
+            </a:r>
+            <a:br/>
+          </a:p>
+        </p:txBody>
+      </p:sp>
+    </p:spTree>
+  </p:cSld>
+  <p:clrMapOvr>
+    <a:masterClrMapping/>
+  </p:clrMapOvr>
+</p:sld>
+</file>
+
+<file path=ppt/slides/slide116.xml><?xml version="1.0" encoding="utf-8"?>
+<p:sld xmlns:a="http://schemas.openxmlformats.org/drawingml/2006/main" xmlns:p="http://schemas.openxmlformats.org/presentationml/2006/main" xmlns:r="http://schemas.openxmlformats.org/officeDocument/2006/relationships">
+  <p:cSld>
+    <p:spTree>
+      <p:nvGrpSpPr>
+        <p:cNvPr id="1" name=""/>
+        <p:cNvGrpSpPr/>
+        <p:nvPr/>
+      </p:nvGrpSpPr>
+      <p:grpSpPr/>
+      <p:sp>
+        <p:nvSpPr>
+          <p:cNvPr id="2" name="TextBox 1"/>
+          <p:cNvSpPr txBox="1"/>
+          <p:nvPr/>
+        </p:nvSpPr>
+        <p:spPr>
+          <a:xfrm>
+            <a:off x="914400" y="914400"/>
+            <a:ext cx="914400" cy="914400"/>
+          </a:xfrm>
+          <a:prstGeom prst="rect">
+            <a:avLst/>
+          </a:prstGeom>
+          <a:noFill/>
+        </p:spPr>
+        <p:txBody>
+          <a:bodyPr wrap="none">
+            <a:spAutoFit/>
+          </a:bodyPr>
+          <a:lstStyle/>
+          <a:p>
+            <a:r>
+              <a:t>Python Code: </a:t>
+            </a:r>
+          </a:p>
+          <a:p>
+            <a:pPr>
+              <a:defRPr sz="1200"/>
+            </a:pPr>
+            <a:r>
+              <a:t>``` # Blijf het key (sleutel) aan te roepen</a:t>
+            </a:r>
+            <a:br/>
+            <a:r>
+              <a:t> `````` d['key1']['nestkey']['subnestkey'] ```</a:t>
+            </a:r>
+            <a:br/>
+          </a:p>
+        </p:txBody>
+      </p:sp>
+    </p:spTree>
+  </p:cSld>
+  <p:clrMapOvr>
+    <a:masterClrMapping/>
+  </p:clrMapOvr>
+</p:sld>
+</file>
+
+<file path=ppt/slides/slide117.xml><?xml version="1.0" encoding="utf-8"?>
+<p:sld xmlns:a="http://schemas.openxmlformats.org/drawingml/2006/main" xmlns:p="http://schemas.openxmlformats.org/presentationml/2006/main" xmlns:r="http://schemas.openxmlformats.org/officeDocument/2006/relationships">
+  <p:cSld>
+    <p:spTree>
+      <p:nvGrpSpPr>
+        <p:cNvPr id="1" name=""/>
+        <p:cNvGrpSpPr/>
+        <p:nvPr/>
+      </p:nvGrpSpPr>
+      <p:grpSpPr/>
+      <p:sp>
+        <p:nvSpPr>
+          <p:cNvPr id="2" name="TextBox 1"/>
+          <p:cNvSpPr txBox="1"/>
+          <p:nvPr/>
+        </p:nvSpPr>
+        <p:spPr>
+          <a:xfrm>
+            <a:off x="914400" y="914400"/>
+            <a:ext cx="914400" cy="914400"/>
+          </a:xfrm>
+          <a:prstGeom prst="rect">
+            <a:avLst/>
+          </a:prstGeom>
+          <a:noFill/>
+        </p:spPr>
+        <p:txBody>
+          <a:bodyPr wrap="none">
+            <a:spAutoFit/>
+          </a:bodyPr>
+          <a:lstStyle/>
+          <a:p>
+            <a:r>
+              <a:t>Info:</a:t>
+            </a:r>
+          </a:p>
+          <a:p>
+            <a:pPr>
+              <a:defRPr sz="1200"/>
+            </a:pPr>
+            <a:r>
+              <a:t>## Een paar woordenboekmethoden</a:t>
+            </a:r>
+            <a:br/>
+            <a:br/>
+            <a:r>
+              <a:t>Er zijn een paar methoden waarop we een woordenboek kunnen gebruiken. Laten we een korte introductie geven tot een paar van hen:</a:t>
+            </a:r>
+            <a:br/>
+          </a:p>
+        </p:txBody>
+      </p:sp>
+    </p:spTree>
+  </p:cSld>
+  <p:clrMapOvr>
+    <a:masterClrMapping/>
+  </p:clrMapOvr>
+</p:sld>
+</file>
+
+<file path=ppt/slides/slide118.xml><?xml version="1.0" encoding="utf-8"?>
+<p:sld xmlns:a="http://schemas.openxmlformats.org/drawingml/2006/main" xmlns:p="http://schemas.openxmlformats.org/presentationml/2006/main" xmlns:r="http://schemas.openxmlformats.org/officeDocument/2006/relationships">
+  <p:cSld>
+    <p:spTree>
+      <p:nvGrpSpPr>
+        <p:cNvPr id="1" name=""/>
+        <p:cNvGrpSpPr/>
+        <p:nvPr/>
+      </p:nvGrpSpPr>
+      <p:grpSpPr/>
+      <p:sp>
+        <p:nvSpPr>
+          <p:cNvPr id="2" name="TextBox 1"/>
+          <p:cNvSpPr txBox="1"/>
+          <p:nvPr/>
+        </p:nvSpPr>
+        <p:spPr>
+          <a:xfrm>
+            <a:off x="914400" y="914400"/>
+            <a:ext cx="914400" cy="914400"/>
+          </a:xfrm>
+          <a:prstGeom prst="rect">
+            <a:avLst/>
+          </a:prstGeom>
+          <a:noFill/>
+        </p:spPr>
+        <p:txBody>
+          <a:bodyPr wrap="none">
+            <a:spAutoFit/>
+          </a:bodyPr>
+          <a:lstStyle/>
+          <a:p>
+            <a:r>
+              <a:t>Python Code: </a:t>
+            </a:r>
+          </a:p>
+          <a:p>
+            <a:pPr>
+              <a:defRPr sz="1200"/>
+            </a:pPr>
+            <a:r>
+              <a:t>``` # Maak een typisch woordenboek aan</a:t>
+            </a:r>
+            <a:br/>
+            <a:r>
+              <a:t> `````` d = {'key1':1,'key2':2,'key3':3} ```</a:t>
+            </a:r>
+            <a:br/>
+          </a:p>
+        </p:txBody>
+      </p:sp>
+    </p:spTree>
+  </p:cSld>
+  <p:clrMapOvr>
+    <a:masterClrMapping/>
+  </p:clrMapOvr>
+</p:sld>
+</file>
+
+<file path=ppt/slides/slide119.xml><?xml version="1.0" encoding="utf-8"?>
+<p:sld xmlns:a="http://schemas.openxmlformats.org/drawingml/2006/main" xmlns:p="http://schemas.openxmlformats.org/presentationml/2006/main" xmlns:r="http://schemas.openxmlformats.org/officeDocument/2006/relationships">
+  <p:cSld>
+    <p:spTree>
+      <p:nvGrpSpPr>
+        <p:cNvPr id="1" name=""/>
+        <p:cNvGrpSpPr/>
+        <p:nvPr/>
+      </p:nvGrpSpPr>
+      <p:grpSpPr/>
+      <p:sp>
+        <p:nvSpPr>
+          <p:cNvPr id="2" name="TextBox 1"/>
+          <p:cNvSpPr txBox="1"/>
+          <p:nvPr/>
+        </p:nvSpPr>
+        <p:spPr>
+          <a:xfrm>
+            <a:off x="914400" y="914400"/>
+            <a:ext cx="914400" cy="914400"/>
+          </a:xfrm>
+          <a:prstGeom prst="rect">
+            <a:avLst/>
+          </a:prstGeom>
+          <a:noFill/>
+        </p:spPr>
+        <p:txBody>
+          <a:bodyPr wrap="none">
+            <a:spAutoFit/>
+          </a:bodyPr>
+          <a:lstStyle/>
+          <a:p>
+            <a:r>
+              <a:t>Python Code: </a:t>
+            </a:r>
+          </a:p>
+          <a:p>
+            <a:pPr>
+              <a:defRPr sz="1200"/>
+            </a:pPr>
+            <a:r>
+              <a:t>``` # Methode om een lijst van alle sleutels terug te geven (retourneren)</a:t>
+            </a:r>
+            <a:br/>
+            <a:r>
+              <a:t> `````` d.keys() ```</a:t>
+            </a:r>
+            <a:br/>
+          </a:p>
+        </p:txBody>
+      </p:sp>
+    </p:spTree>
+  </p:cSld>
+  <p:clrMapOvr>
+    <a:masterClrMapping/>
+  </p:clrMapOvr>
+</p:sld>
+</file>
+
 <file path=ppt/slides/slide12.xml><?xml version="1.0" encoding="utf-8"?>
 <p:sld xmlns:a="http://schemas.openxmlformats.org/drawingml/2006/main" xmlns:p="http://schemas.openxmlformats.org/presentationml/2006/main" xmlns:r="http://schemas.openxmlformats.org/officeDocument/2006/relationships">
   <p:cSld>
@@ -3427,6 +4624,179 @@
             </a:r>
           </a:p>
           <a:p/>
+        </p:txBody>
+      </p:sp>
+    </p:spTree>
+  </p:cSld>
+  <p:clrMapOvr>
+    <a:masterClrMapping/>
+  </p:clrMapOvr>
+</p:sld>
+</file>
+
+<file path=ppt/slides/slide120.xml><?xml version="1.0" encoding="utf-8"?>
+<p:sld xmlns:a="http://schemas.openxmlformats.org/drawingml/2006/main" xmlns:p="http://schemas.openxmlformats.org/presentationml/2006/main" xmlns:r="http://schemas.openxmlformats.org/officeDocument/2006/relationships">
+  <p:cSld>
+    <p:spTree>
+      <p:nvGrpSpPr>
+        <p:cNvPr id="1" name=""/>
+        <p:cNvGrpSpPr/>
+        <p:nvPr/>
+      </p:nvGrpSpPr>
+      <p:grpSpPr/>
+      <p:sp>
+        <p:nvSpPr>
+          <p:cNvPr id="2" name="TextBox 1"/>
+          <p:cNvSpPr txBox="1"/>
+          <p:nvPr/>
+        </p:nvSpPr>
+        <p:spPr>
+          <a:xfrm>
+            <a:off x="914400" y="914400"/>
+            <a:ext cx="914400" cy="914400"/>
+          </a:xfrm>
+          <a:prstGeom prst="rect">
+            <a:avLst/>
+          </a:prstGeom>
+          <a:noFill/>
+        </p:spPr>
+        <p:txBody>
+          <a:bodyPr wrap="none">
+            <a:spAutoFit/>
+          </a:bodyPr>
+          <a:lstStyle/>
+          <a:p>
+            <a:r>
+              <a:t>Python Code: </a:t>
+            </a:r>
+          </a:p>
+          <a:p>
+            <a:pPr>
+              <a:defRPr sz="1200"/>
+            </a:pPr>
+            <a:r>
+              <a:t>``` # Methode om alle waarden op te halen</a:t>
+            </a:r>
+            <a:br/>
+            <a:r>
+              <a:t> `````` d.values() ```</a:t>
+            </a:r>
+            <a:br/>
+          </a:p>
+        </p:txBody>
+      </p:sp>
+    </p:spTree>
+  </p:cSld>
+  <p:clrMapOvr>
+    <a:masterClrMapping/>
+  </p:clrMapOvr>
+</p:sld>
+</file>
+
+<file path=ppt/slides/slide121.xml><?xml version="1.0" encoding="utf-8"?>
+<p:sld xmlns:a="http://schemas.openxmlformats.org/drawingml/2006/main" xmlns:p="http://schemas.openxmlformats.org/presentationml/2006/main" xmlns:r="http://schemas.openxmlformats.org/officeDocument/2006/relationships">
+  <p:cSld>
+    <p:spTree>
+      <p:nvGrpSpPr>
+        <p:cNvPr id="1" name=""/>
+        <p:cNvGrpSpPr/>
+        <p:nvPr/>
+      </p:nvGrpSpPr>
+      <p:grpSpPr/>
+      <p:sp>
+        <p:nvSpPr>
+          <p:cNvPr id="2" name="TextBox 1"/>
+          <p:cNvSpPr txBox="1"/>
+          <p:nvPr/>
+        </p:nvSpPr>
+        <p:spPr>
+          <a:xfrm>
+            <a:off x="914400" y="914400"/>
+            <a:ext cx="914400" cy="914400"/>
+          </a:xfrm>
+          <a:prstGeom prst="rect">
+            <a:avLst/>
+          </a:prstGeom>
+          <a:noFill/>
+        </p:spPr>
+        <p:txBody>
+          <a:bodyPr wrap="none">
+            <a:spAutoFit/>
+          </a:bodyPr>
+          <a:lstStyle/>
+          <a:p>
+            <a:r>
+              <a:t>Python Code: </a:t>
+            </a:r>
+          </a:p>
+          <a:p>
+            <a:pPr>
+              <a:defRPr sz="1200"/>
+            </a:pPr>
+            <a:r>
+              <a:t>``` # Methode om tupels van alle items te retourneren (we zullen binnenkort meer leren over tupels)</a:t>
+            </a:r>
+            <a:br/>
+            <a:r>
+              <a:t> `````` d.items() ```</a:t>
+            </a:r>
+            <a:br/>
+          </a:p>
+        </p:txBody>
+      </p:sp>
+    </p:spTree>
+  </p:cSld>
+  <p:clrMapOvr>
+    <a:masterClrMapping/>
+  </p:clrMapOvr>
+</p:sld>
+</file>
+
+<file path=ppt/slides/slide122.xml><?xml version="1.0" encoding="utf-8"?>
+<p:sld xmlns:a="http://schemas.openxmlformats.org/drawingml/2006/main" xmlns:p="http://schemas.openxmlformats.org/presentationml/2006/main" xmlns:r="http://schemas.openxmlformats.org/officeDocument/2006/relationships">
+  <p:cSld>
+    <p:spTree>
+      <p:nvGrpSpPr>
+        <p:cNvPr id="1" name=""/>
+        <p:cNvGrpSpPr/>
+        <p:nvPr/>
+      </p:nvGrpSpPr>
+      <p:grpSpPr/>
+      <p:sp>
+        <p:nvSpPr>
+          <p:cNvPr id="2" name="TextBox 1"/>
+          <p:cNvSpPr txBox="1"/>
+          <p:nvPr/>
+        </p:nvSpPr>
+        <p:spPr>
+          <a:xfrm>
+            <a:off x="914400" y="914400"/>
+            <a:ext cx="914400" cy="914400"/>
+          </a:xfrm>
+          <a:prstGeom prst="rect">
+            <a:avLst/>
+          </a:prstGeom>
+          <a:noFill/>
+        </p:spPr>
+        <p:txBody>
+          <a:bodyPr wrap="none">
+            <a:spAutoFit/>
+          </a:bodyPr>
+          <a:lstStyle/>
+          <a:p>
+            <a:r>
+              <a:t>Info:</a:t>
+            </a:r>
+          </a:p>
+          <a:p>
+            <a:pPr>
+              <a:defRPr sz="1200"/>
+            </a:pPr>
+            <a:r>
+              <a:t>Hopelijk heb je nu een goed basisbegrip voor het maken van dictionaries/woordenboeken. Er is hier nog veel meer om op in te gaan, maar we zullen de woordenboeken later opnieuw bekijken. Na dit gedeelte hoeft u alleen maar te weten hoe u een woordenboek kunt maken en hoe u er waarden uit kunt halen.</a:t>
+            </a:r>
+            <a:br/>
+          </a:p>
         </p:txBody>
       </p:sp>
     </p:spTree>
@@ -9419,6 +10789,516 @@
             </a:pPr>
             <a:r>
               <a:t>Hopelijk heb je nu een goed basisbegrip voor het maken van dictionaries/woordenboeken. Er is hier nog veel meer om op in te gaan, maar we zullen de woordenboeken later opnieuw bekijken. Na dit gedeelte hoeft u alleen maar te weten hoe u een woordenboek kunt maken en hoe u er waarden uit kunt halen.</a:t>
+            </a:r>
+            <a:br/>
+          </a:p>
+        </p:txBody>
+      </p:sp>
+    </p:spTree>
+  </p:cSld>
+  <p:clrMapOvr>
+    <a:masterClrMapping/>
+  </p:clrMapOvr>
+</p:sld>
+</file>
+
+<file path=ppt/slides/slide92.xml><?xml version="1.0" encoding="utf-8"?>
+<p:sld xmlns:a="http://schemas.openxmlformats.org/drawingml/2006/main" xmlns:p="http://schemas.openxmlformats.org/presentationml/2006/main" xmlns:r="http://schemas.openxmlformats.org/officeDocument/2006/relationships">
+  <p:cSld>
+    <p:spTree>
+      <p:nvGrpSpPr>
+        <p:cNvPr id="1" name=""/>
+        <p:cNvGrpSpPr/>
+        <p:nvPr/>
+      </p:nvGrpSpPr>
+      <p:grpSpPr/>
+      <p:pic>
+        <p:nvPicPr>
+          <p:cNvPr id="2" name="Picture 1" descr="image.png"/>
+          <p:cNvPicPr>
+            <a:picLocks noChangeAspect="1"/>
+          </p:cNvPicPr>
+          <p:nvPr/>
+        </p:nvPicPr>
+        <p:blipFill>
+          <a:blip r:embed="rId2"/>
+          <a:stretch>
+            <a:fillRect/>
+          </a:stretch>
+        </p:blipFill>
+        <p:spPr>
+          <a:xfrm>
+            <a:off x="914400" y="914400"/>
+            <a:ext cx="5105400" cy="1346200"/>
+          </a:xfrm>
+          <a:prstGeom prst="rect">
+            <a:avLst/>
+          </a:prstGeom>
+        </p:spPr>
+      </p:pic>
+    </p:spTree>
+  </p:cSld>
+  <p:clrMapOvr>
+    <a:masterClrMapping/>
+  </p:clrMapOvr>
+</p:sld>
+</file>
+
+<file path=ppt/slides/slide93.xml><?xml version="1.0" encoding="utf-8"?>
+<p:sld xmlns:a="http://schemas.openxmlformats.org/drawingml/2006/main" xmlns:p="http://schemas.openxmlformats.org/presentationml/2006/main" xmlns:r="http://schemas.openxmlformats.org/officeDocument/2006/relationships">
+  <p:cSld>
+    <p:spTree>
+      <p:nvGrpSpPr>
+        <p:cNvPr id="1" name=""/>
+        <p:cNvGrpSpPr/>
+        <p:nvPr/>
+      </p:nvGrpSpPr>
+      <p:grpSpPr/>
+      <p:sp>
+        <p:nvSpPr>
+          <p:cNvPr id="2" name="TextBox 1"/>
+          <p:cNvSpPr txBox="1"/>
+          <p:nvPr/>
+        </p:nvSpPr>
+        <p:spPr>
+          <a:xfrm>
+            <a:off x="914400" y="914400"/>
+            <a:ext cx="914400" cy="914400"/>
+          </a:xfrm>
+          <a:prstGeom prst="rect">
+            <a:avLst/>
+          </a:prstGeom>
+          <a:noFill/>
+        </p:spPr>
+        <p:txBody>
+          <a:bodyPr wrap="none">
+            <a:spAutoFit/>
+          </a:bodyPr>
+          <a:lstStyle/>
+          <a:p>
+            <a:r>
+              <a:t>Info:</a:t>
+            </a:r>
+          </a:p>
+          <a:p>
+            <a:pPr>
+              <a:defRPr sz="1200"/>
+            </a:pPr>
+            <a:r>
+              <a:t>&lt;center&gt;</a:t>
+            </a:r>
+            <a:br/>
+            <a:r>
+              <a:t>    &lt;img src='https://intecbrussel.be/img/logo3.png' width='400px' height='auto'/&gt;</a:t>
+            </a:r>
+            <a:br/>
+            <a:r>
+              <a:t>    &lt;br/&gt;</a:t>
+            </a:r>
+            <a:br/>
+            <a:r>
+              <a:t>    &lt;em&gt;Python les-materialen&lt;/em&gt;</a:t>
+            </a:r>
+            <a:br/>
+            <a:r>
+              <a:t>&lt;/center&gt;</a:t>
+            </a:r>
+            <a:br/>
+          </a:p>
+        </p:txBody>
+      </p:sp>
+    </p:spTree>
+  </p:cSld>
+  <p:clrMapOvr>
+    <a:masterClrMapping/>
+  </p:clrMapOvr>
+</p:sld>
+</file>
+
+<file path=ppt/slides/slide94.xml><?xml version="1.0" encoding="utf-8"?>
+<p:sld xmlns:a="http://schemas.openxmlformats.org/drawingml/2006/main" xmlns:p="http://schemas.openxmlformats.org/presentationml/2006/main" xmlns:r="http://schemas.openxmlformats.org/officeDocument/2006/relationships">
+  <p:cSld>
+    <p:spTree>
+      <p:nvGrpSpPr>
+        <p:cNvPr id="1" name=""/>
+        <p:cNvGrpSpPr/>
+        <p:nvPr/>
+      </p:nvGrpSpPr>
+      <p:grpSpPr/>
+      <p:sp>
+        <p:nvSpPr>
+          <p:cNvPr id="2" name="TextBox 1"/>
+          <p:cNvSpPr txBox="1"/>
+          <p:nvPr/>
+        </p:nvSpPr>
+        <p:spPr>
+          <a:xfrm>
+            <a:off x="914400" y="914400"/>
+            <a:ext cx="914400" cy="914400"/>
+          </a:xfrm>
+          <a:prstGeom prst="rect">
+            <a:avLst/>
+          </a:prstGeom>
+          <a:noFill/>
+        </p:spPr>
+        <p:txBody>
+          <a:bodyPr wrap="none">
+            <a:spAutoFit/>
+          </a:bodyPr>
+          <a:lstStyle/>
+          <a:p>
+            <a:r>
+              <a:t>Info:</a:t>
+            </a:r>
+          </a:p>
+          <a:p>
+            <a:pPr>
+              <a:defRPr sz="1200"/>
+            </a:pPr>
+            <a:r>
+              <a:t># Dictionaries (Woordenboeken)</a:t>
+            </a:r>
+            <a:br/>
+            <a:br/>
+            <a:r>
+              <a:t>We hebben geleerd over *sequencen* in Python, maar nu gaan we een versnelling hoger schakelen (switchen) en leren over *mappings toewijzingen)* in Python. </a:t>
+            </a:r>
+            <a:br/>
+            <a:r>
+              <a:t>Als u bekend bent met andere talen, kunt u deze dictionaries zien als 'hash-tabellen'.</a:t>
+            </a:r>
+            <a:br/>
+            <a:br/>
+            <a:r>
+              <a:t>Dit gedeelte dient als een korte inleiding tot woordenboeken en bestaat uit:</a:t>
+            </a:r>
+            <a:br/>
+            <a:br/>
+            <a:r>
+              <a:t>     1.) Een dictionary bouwen</a:t>
+            </a:r>
+            <a:br/>
+            <a:r>
+              <a:t>     2.) Objecten openen vanuit een dictionary</a:t>
+            </a:r>
+            <a:br/>
+            <a:r>
+              <a:t>     3.) Geneste dictionaries</a:t>
+            </a:r>
+            <a:br/>
+            <a:r>
+              <a:t>     4.) Basis-dictionary-methoden</a:t>
+            </a:r>
+            <a:br/>
+            <a:br/>
+            <a:r>
+              <a:t>Dus wat zijn mappings? Mappings zijn een verzameling objecten die worden opgeslagen door een *key (sleutel)*, in tegenstelling tot een reeks/sequence die objecten opslaat op hun relatieve positie. </a:t>
+            </a:r>
+            <a:br/>
+            <a:r>
+              <a:t>Dit is een belangrijk onderscheid, aangezien toewijzingen de volgorde niet behouden omdat ze objecten hebben die zijn gedefinieerd door een sleutel.</a:t>
+            </a:r>
+            <a:br/>
+            <a:br/>
+            <a:r>
+              <a:t>Een Python-dictionary bestaat uit een key (sleutel) en vervolgens een bijbehorende value (waarde). Die waarde kan bijna elk Python-object zijn.</a:t>
+            </a:r>
+            <a:br/>
+            <a:br/>
+            <a:br/>
+            <a:r>
+              <a:t>## Een dictionary/woordenboek aanmaken</a:t>
+            </a:r>
+            <a:br/>
+            <a:r>
+              <a:t>Laten we eens kijken hoe we woordenboeken kunnen aanmaken om een beter begrip te krijgen van hoe ze werken!</a:t>
+            </a:r>
+            <a:br/>
+          </a:p>
+        </p:txBody>
+      </p:sp>
+    </p:spTree>
+  </p:cSld>
+  <p:clrMapOvr>
+    <a:masterClrMapping/>
+  </p:clrMapOvr>
+</p:sld>
+</file>
+
+<file path=ppt/slides/slide95.xml><?xml version="1.0" encoding="utf-8"?>
+<p:sld xmlns:a="http://schemas.openxmlformats.org/drawingml/2006/main" xmlns:p="http://schemas.openxmlformats.org/presentationml/2006/main" xmlns:r="http://schemas.openxmlformats.org/officeDocument/2006/relationships">
+  <p:cSld>
+    <p:spTree>
+      <p:nvGrpSpPr>
+        <p:cNvPr id="1" name=""/>
+        <p:cNvGrpSpPr/>
+        <p:nvPr/>
+      </p:nvGrpSpPr>
+      <p:grpSpPr/>
+      <p:sp>
+        <p:nvSpPr>
+          <p:cNvPr id="2" name="TextBox 1"/>
+          <p:cNvSpPr txBox="1"/>
+          <p:nvPr/>
+        </p:nvSpPr>
+        <p:spPr>
+          <a:xfrm>
+            <a:off x="914400" y="914400"/>
+            <a:ext cx="914400" cy="914400"/>
+          </a:xfrm>
+          <a:prstGeom prst="rect">
+            <a:avLst/>
+          </a:prstGeom>
+          <a:noFill/>
+        </p:spPr>
+        <p:txBody>
+          <a:bodyPr wrap="none">
+            <a:spAutoFit/>
+          </a:bodyPr>
+          <a:lstStyle/>
+          <a:p>
+            <a:r>
+              <a:t>Python Code: </a:t>
+            </a:r>
+          </a:p>
+          <a:p>
+            <a:pPr>
+              <a:defRPr sz="1200"/>
+            </a:pPr>
+            <a:r>
+              <a:t>``` # Maak een dictionary/woordenboek met {} en : om een sleutel en een waarde aan te duiden</a:t>
+            </a:r>
+            <a:br/>
+            <a:r>
+              <a:t> `````` my_dict = {'key1':'value1','key2':'value2'} ```</a:t>
+            </a:r>
+            <a:br/>
+          </a:p>
+        </p:txBody>
+      </p:sp>
+    </p:spTree>
+  </p:cSld>
+  <p:clrMapOvr>
+    <a:masterClrMapping/>
+  </p:clrMapOvr>
+</p:sld>
+</file>
+
+<file path=ppt/slides/slide96.xml><?xml version="1.0" encoding="utf-8"?>
+<p:sld xmlns:a="http://schemas.openxmlformats.org/drawingml/2006/main" xmlns:p="http://schemas.openxmlformats.org/presentationml/2006/main" xmlns:r="http://schemas.openxmlformats.org/officeDocument/2006/relationships">
+  <p:cSld>
+    <p:spTree>
+      <p:nvGrpSpPr>
+        <p:cNvPr id="1" name=""/>
+        <p:cNvGrpSpPr/>
+        <p:nvPr/>
+      </p:nvGrpSpPr>
+      <p:grpSpPr/>
+      <p:sp>
+        <p:nvSpPr>
+          <p:cNvPr id="2" name="TextBox 1"/>
+          <p:cNvSpPr txBox="1"/>
+          <p:nvPr/>
+        </p:nvSpPr>
+        <p:spPr>
+          <a:xfrm>
+            <a:off x="914400" y="914400"/>
+            <a:ext cx="914400" cy="914400"/>
+          </a:xfrm>
+          <a:prstGeom prst="rect">
+            <a:avLst/>
+          </a:prstGeom>
+          <a:noFill/>
+        </p:spPr>
+        <p:txBody>
+          <a:bodyPr wrap="none">
+            <a:spAutoFit/>
+          </a:bodyPr>
+          <a:lstStyle/>
+          <a:p>
+            <a:r>
+              <a:t>Python Code: </a:t>
+            </a:r>
+          </a:p>
+          <a:p>
+            <a:pPr>
+              <a:defRPr sz="1200"/>
+            </a:pPr>
+            <a:r>
+              <a:t>``` # Roep values (waarden) met hun key (sleutel)</a:t>
+            </a:r>
+            <a:br/>
+            <a:r>
+              <a:t> `````` my_dict['key2'] ```</a:t>
+            </a:r>
+            <a:br/>
+          </a:p>
+        </p:txBody>
+      </p:sp>
+    </p:spTree>
+  </p:cSld>
+  <p:clrMapOvr>
+    <a:masterClrMapping/>
+  </p:clrMapOvr>
+</p:sld>
+</file>
+
+<file path=ppt/slides/slide97.xml><?xml version="1.0" encoding="utf-8"?>
+<p:sld xmlns:a="http://schemas.openxmlformats.org/drawingml/2006/main" xmlns:p="http://schemas.openxmlformats.org/presentationml/2006/main" xmlns:r="http://schemas.openxmlformats.org/officeDocument/2006/relationships">
+  <p:cSld>
+    <p:spTree>
+      <p:nvGrpSpPr>
+        <p:cNvPr id="1" name=""/>
+        <p:cNvGrpSpPr/>
+        <p:nvPr/>
+      </p:nvGrpSpPr>
+      <p:grpSpPr/>
+      <p:sp>
+        <p:nvSpPr>
+          <p:cNvPr id="2" name="TextBox 1"/>
+          <p:cNvSpPr txBox="1"/>
+          <p:nvPr/>
+        </p:nvSpPr>
+        <p:spPr>
+          <a:xfrm>
+            <a:off x="914400" y="914400"/>
+            <a:ext cx="914400" cy="914400"/>
+          </a:xfrm>
+          <a:prstGeom prst="rect">
+            <a:avLst/>
+          </a:prstGeom>
+          <a:noFill/>
+        </p:spPr>
+        <p:txBody>
+          <a:bodyPr wrap="none">
+            <a:spAutoFit/>
+          </a:bodyPr>
+          <a:lstStyle/>
+          <a:p>
+            <a:r>
+              <a:t>Info:</a:t>
+            </a:r>
+          </a:p>
+          <a:p>
+            <a:pPr>
+              <a:defRPr sz="1200"/>
+            </a:pPr>
+            <a:r>
+              <a:t>Het is belangrijk op te merken dat woordenboeken zeer flexibel zijn in de gegevenstypen die ze kunnen bevatten. Bijvoorbeeld:</a:t>
+            </a:r>
+            <a:br/>
+          </a:p>
+        </p:txBody>
+      </p:sp>
+    </p:spTree>
+  </p:cSld>
+  <p:clrMapOvr>
+    <a:masterClrMapping/>
+  </p:clrMapOvr>
+</p:sld>
+</file>
+
+<file path=ppt/slides/slide98.xml><?xml version="1.0" encoding="utf-8"?>
+<p:sld xmlns:a="http://schemas.openxmlformats.org/drawingml/2006/main" xmlns:p="http://schemas.openxmlformats.org/presentationml/2006/main" xmlns:r="http://schemas.openxmlformats.org/officeDocument/2006/relationships">
+  <p:cSld>
+    <p:spTree>
+      <p:nvGrpSpPr>
+        <p:cNvPr id="1" name=""/>
+        <p:cNvGrpSpPr/>
+        <p:nvPr/>
+      </p:nvGrpSpPr>
+      <p:grpSpPr/>
+      <p:sp>
+        <p:nvSpPr>
+          <p:cNvPr id="2" name="TextBox 1"/>
+          <p:cNvSpPr txBox="1"/>
+          <p:nvPr/>
+        </p:nvSpPr>
+        <p:spPr>
+          <a:xfrm>
+            <a:off x="914400" y="914400"/>
+            <a:ext cx="914400" cy="914400"/>
+          </a:xfrm>
+          <a:prstGeom prst="rect">
+            <a:avLst/>
+          </a:prstGeom>
+          <a:noFill/>
+        </p:spPr>
+        <p:txBody>
+          <a:bodyPr wrap="none">
+            <a:spAutoFit/>
+          </a:bodyPr>
+          <a:lstStyle/>
+          <a:p>
+            <a:r>
+              <a:t>Python Code: </a:t>
+            </a:r>
+          </a:p>
+          <a:p>
+            <a:pPr>
+              <a:defRPr sz="1200"/>
+            </a:pPr>
+            <a:r>
+              <a:t>``` my_dict = {'key1':123,'key2':[12,23,33],'key3':['item0','item1','item2']} ```</a:t>
+            </a:r>
+            <a:br/>
+          </a:p>
+        </p:txBody>
+      </p:sp>
+    </p:spTree>
+  </p:cSld>
+  <p:clrMapOvr>
+    <a:masterClrMapping/>
+  </p:clrMapOvr>
+</p:sld>
+</file>
+
+<file path=ppt/slides/slide99.xml><?xml version="1.0" encoding="utf-8"?>
+<p:sld xmlns:a="http://schemas.openxmlformats.org/drawingml/2006/main" xmlns:p="http://schemas.openxmlformats.org/presentationml/2006/main" xmlns:r="http://schemas.openxmlformats.org/officeDocument/2006/relationships">
+  <p:cSld>
+    <p:spTree>
+      <p:nvGrpSpPr>
+        <p:cNvPr id="1" name=""/>
+        <p:cNvGrpSpPr/>
+        <p:nvPr/>
+      </p:nvGrpSpPr>
+      <p:grpSpPr/>
+      <p:sp>
+        <p:nvSpPr>
+          <p:cNvPr id="2" name="TextBox 1"/>
+          <p:cNvSpPr txBox="1"/>
+          <p:nvPr/>
+        </p:nvSpPr>
+        <p:spPr>
+          <a:xfrm>
+            <a:off x="914400" y="914400"/>
+            <a:ext cx="914400" cy="914400"/>
+          </a:xfrm>
+          <a:prstGeom prst="rect">
+            <a:avLst/>
+          </a:prstGeom>
+          <a:noFill/>
+        </p:spPr>
+        <p:txBody>
+          <a:bodyPr wrap="none">
+            <a:spAutoFit/>
+          </a:bodyPr>
+          <a:lstStyle/>
+          <a:p>
+            <a:r>
+              <a:t>Python Code: </a:t>
+            </a:r>
+          </a:p>
+          <a:p>
+            <a:pPr>
+              <a:defRPr sz="1200"/>
+            </a:pPr>
+            <a:r>
+              <a:t>``` # Laten we items uit het woordenboek accessen</a:t>
+            </a:r>
+            <a:br/>
+            <a:r>
+              <a:t> `````` my_dict['key3'] ```</a:t>
             </a:r>
             <a:br/>
           </a:p>

--- a/Notebooks/Nederlands/02 - Objecten datastructuren en operatoren/06 - Dictionaries.pptx
+++ b/Notebooks/Nederlands/02 - Objecten datastructuren en operatoren/06 - Dictionaries.pptx
@@ -8,7 +8,7 @@
     <p:sldId id="256" r:id="rId2"/>
     <p:sldId id="257" r:id="rId3"/>
   </p:sldIdLst>
-  <p:sldSz cx="9144000" cy="5143500" type="screen16x9"/>
+  <p:sldSz cx="9144000" cy="6858000" type="screen4x3"/>
   <p:notesSz cx="6858000" cy="9144000"/>
   <p:defaultTextStyle>
     <a:defPPr>
@@ -108,12 +108,12 @@
   <p:extLst>
     <p:ext uri="{EFAFB233-063F-42B5-8137-9DF3F51BA10A}">
       <p15:sldGuideLst xmlns:p15="http://schemas.microsoft.com/office/powerpoint/2012/main">
-        <p15:guide id="1" orient="horz" pos="1620" userDrawn="1">
+        <p15:guide id="1" orient="horz" pos="2160">
           <p15:clr>
             <a:srgbClr val="A4A3A4"/>
           </p15:clr>
         </p15:guide>
-        <p15:guide id="2" pos="2880" userDrawn="1">
+        <p15:guide id="2" pos="2880">
           <p15:clr>
             <a:srgbClr val="A4A3A4"/>
           </p15:clr>
@@ -153,8 +153,8 @@
         </p:nvSpPr>
         <p:spPr>
           <a:xfrm>
-            <a:off x="685800" y="1597819"/>
-            <a:ext cx="7772400" cy="1102519"/>
+            <a:off x="685800" y="2130425"/>
+            <a:ext cx="7772400" cy="1470025"/>
           </a:xfrm>
         </p:spPr>
         <p:txBody>
@@ -162,9 +162,10 @@
           <a:lstStyle/>
           <a:p>
             <a:r>
-              <a:rPr lang="en-US"/>
+              <a:rPr lang="en-US" smtClean="0"/>
               <a:t>Click to edit Master title style</a:t>
             </a:r>
+            <a:endParaRPr lang="en-US"/>
           </a:p>
         </p:txBody>
       </p:sp>
@@ -180,8 +181,8 @@
         </p:nvSpPr>
         <p:spPr>
           <a:xfrm>
-            <a:off x="1371600" y="2914650"/>
-            <a:ext cx="6400800" cy="1314450"/>
+            <a:off x="1371600" y="3886200"/>
+            <a:ext cx="6400800" cy="1752600"/>
           </a:xfrm>
         </p:spPr>
         <p:txBody>
@@ -197,7 +198,7 @@
                 </a:solidFill>
               </a:defRPr>
             </a:lvl1pPr>
-            <a:lvl2pPr marL="342900" indent="0" algn="ctr">
+            <a:lvl2pPr marL="457200" indent="0" algn="ctr">
               <a:buNone/>
               <a:defRPr>
                 <a:solidFill>
@@ -207,7 +208,7 @@
                 </a:solidFill>
               </a:defRPr>
             </a:lvl2pPr>
-            <a:lvl3pPr marL="685800" indent="0" algn="ctr">
+            <a:lvl3pPr marL="914400" indent="0" algn="ctr">
               <a:buNone/>
               <a:defRPr>
                 <a:solidFill>
@@ -217,7 +218,7 @@
                 </a:solidFill>
               </a:defRPr>
             </a:lvl3pPr>
-            <a:lvl4pPr marL="1028700" indent="0" algn="ctr">
+            <a:lvl4pPr marL="1371600" indent="0" algn="ctr">
               <a:buNone/>
               <a:defRPr>
                 <a:solidFill>
@@ -227,7 +228,7 @@
                 </a:solidFill>
               </a:defRPr>
             </a:lvl4pPr>
-            <a:lvl5pPr marL="1371600" indent="0" algn="ctr">
+            <a:lvl5pPr marL="1828800" indent="0" algn="ctr">
               <a:buNone/>
               <a:defRPr>
                 <a:solidFill>
@@ -237,7 +238,7 @@
                 </a:solidFill>
               </a:defRPr>
             </a:lvl5pPr>
-            <a:lvl6pPr marL="1714500" indent="0" algn="ctr">
+            <a:lvl6pPr marL="2286000" indent="0" algn="ctr">
               <a:buNone/>
               <a:defRPr>
                 <a:solidFill>
@@ -247,7 +248,7 @@
                 </a:solidFill>
               </a:defRPr>
             </a:lvl6pPr>
-            <a:lvl7pPr marL="2057400" indent="0" algn="ctr">
+            <a:lvl7pPr marL="2743200" indent="0" algn="ctr">
               <a:buNone/>
               <a:defRPr>
                 <a:solidFill>
@@ -257,7 +258,7 @@
                 </a:solidFill>
               </a:defRPr>
             </a:lvl7pPr>
-            <a:lvl8pPr marL="2400300" indent="0" algn="ctr">
+            <a:lvl8pPr marL="3200400" indent="0" algn="ctr">
               <a:buNone/>
               <a:defRPr>
                 <a:solidFill>
@@ -267,7 +268,7 @@
                 </a:solidFill>
               </a:defRPr>
             </a:lvl8pPr>
-            <a:lvl9pPr marL="2743200" indent="0" algn="ctr">
+            <a:lvl9pPr marL="3657600" indent="0" algn="ctr">
               <a:buNone/>
               <a:defRPr>
                 <a:solidFill>
@@ -280,9 +281,10 @@
           </a:lstStyle>
           <a:p>
             <a:r>
-              <a:rPr lang="en-US"/>
+              <a:rPr lang="en-US" smtClean="0"/>
               <a:t>Click to edit Master subtitle style</a:t>
             </a:r>
+            <a:endParaRPr lang="en-US"/>
           </a:p>
         </p:txBody>
       </p:sp>
@@ -303,7 +305,7 @@
           <a:p>
             <a:fld id="{241EB5C9-1307-BA42-ABA2-0BC069CD8E7F}" type="datetimeFigureOut">
               <a:rPr lang="en-US" smtClean="0"/>
-              <a:t>1/2/22</a:t>
+              <a:t>4/5/2019</a:t>
             </a:fld>
             <a:endParaRPr lang="en-US"/>
           </a:p>
@@ -397,9 +399,10 @@
           <a:lstStyle/>
           <a:p>
             <a:r>
-              <a:rPr lang="en-US"/>
+              <a:rPr lang="en-US" smtClean="0"/>
               <a:t>Click to edit Master title style</a:t>
             </a:r>
+            <a:endParaRPr lang="en-US"/>
           </a:p>
         </p:txBody>
       </p:sp>
@@ -420,37 +423,38 @@
           <a:p>
             <a:pPr lvl="0"/>
             <a:r>
-              <a:rPr lang="en-US"/>
+              <a:rPr lang="en-US" smtClean="0"/>
               <a:t>Click to edit Master text styles</a:t>
             </a:r>
           </a:p>
           <a:p>
             <a:pPr lvl="1"/>
             <a:r>
-              <a:rPr lang="en-US"/>
+              <a:rPr lang="en-US" smtClean="0"/>
               <a:t>Second level</a:t>
             </a:r>
           </a:p>
           <a:p>
             <a:pPr lvl="2"/>
             <a:r>
-              <a:rPr lang="en-US"/>
+              <a:rPr lang="en-US" smtClean="0"/>
               <a:t>Third level</a:t>
             </a:r>
           </a:p>
           <a:p>
             <a:pPr lvl="3"/>
             <a:r>
-              <a:rPr lang="en-US"/>
+              <a:rPr lang="en-US" smtClean="0"/>
               <a:t>Fourth level</a:t>
             </a:r>
           </a:p>
           <a:p>
             <a:pPr lvl="4"/>
             <a:r>
-              <a:rPr lang="en-US"/>
+              <a:rPr lang="en-US" smtClean="0"/>
               <a:t>Fifth level</a:t>
             </a:r>
+            <a:endParaRPr lang="en-US"/>
           </a:p>
         </p:txBody>
       </p:sp>
@@ -471,7 +475,7 @@
           <a:p>
             <a:fld id="{241EB5C9-1307-BA42-ABA2-0BC069CD8E7F}" type="datetimeFigureOut">
               <a:rPr lang="en-US" smtClean="0"/>
-              <a:t>1/2/22</a:t>
+              <a:t>4/5/2019</a:t>
             </a:fld>
             <a:endParaRPr lang="en-US"/>
           </a:p>
@@ -561,8 +565,8 @@
         </p:nvSpPr>
         <p:spPr>
           <a:xfrm>
-            <a:off x="6629400" y="205979"/>
-            <a:ext cx="2057400" cy="4388644"/>
+            <a:off x="6629400" y="274638"/>
+            <a:ext cx="2057400" cy="5851525"/>
           </a:xfrm>
         </p:spPr>
         <p:txBody>
@@ -570,9 +574,10 @@
           <a:lstStyle/>
           <a:p>
             <a:r>
-              <a:rPr lang="en-US"/>
+              <a:rPr lang="en-US" smtClean="0"/>
               <a:t>Click to edit Master title style</a:t>
             </a:r>
+            <a:endParaRPr lang="en-US"/>
           </a:p>
         </p:txBody>
       </p:sp>
@@ -588,8 +593,8 @@
         </p:nvSpPr>
         <p:spPr>
           <a:xfrm>
-            <a:off x="457200" y="205979"/>
-            <a:ext cx="6019800" cy="4388644"/>
+            <a:off x="457200" y="274638"/>
+            <a:ext cx="6019800" cy="5851525"/>
           </a:xfrm>
         </p:spPr>
         <p:txBody>
@@ -598,37 +603,38 @@
           <a:p>
             <a:pPr lvl="0"/>
             <a:r>
-              <a:rPr lang="en-US"/>
+              <a:rPr lang="en-US" smtClean="0"/>
               <a:t>Click to edit Master text styles</a:t>
             </a:r>
           </a:p>
           <a:p>
             <a:pPr lvl="1"/>
             <a:r>
-              <a:rPr lang="en-US"/>
+              <a:rPr lang="en-US" smtClean="0"/>
               <a:t>Second level</a:t>
             </a:r>
           </a:p>
           <a:p>
             <a:pPr lvl="2"/>
             <a:r>
-              <a:rPr lang="en-US"/>
+              <a:rPr lang="en-US" smtClean="0"/>
               <a:t>Third level</a:t>
             </a:r>
           </a:p>
           <a:p>
             <a:pPr lvl="3"/>
             <a:r>
-              <a:rPr lang="en-US"/>
+              <a:rPr lang="en-US" smtClean="0"/>
               <a:t>Fourth level</a:t>
             </a:r>
           </a:p>
           <a:p>
             <a:pPr lvl="4"/>
             <a:r>
-              <a:rPr lang="en-US"/>
+              <a:rPr lang="en-US" smtClean="0"/>
               <a:t>Fifth level</a:t>
             </a:r>
+            <a:endParaRPr lang="en-US"/>
           </a:p>
         </p:txBody>
       </p:sp>
@@ -649,7 +655,7 @@
           <a:p>
             <a:fld id="{241EB5C9-1307-BA42-ABA2-0BC069CD8E7F}" type="datetimeFigureOut">
               <a:rPr lang="en-US" smtClean="0"/>
-              <a:t>1/2/22</a:t>
+              <a:t>4/5/2019</a:t>
             </a:fld>
             <a:endParaRPr lang="en-US"/>
           </a:p>
@@ -743,9 +749,10 @@
           <a:lstStyle/>
           <a:p>
             <a:r>
-              <a:rPr lang="en-US"/>
+              <a:rPr lang="en-US" smtClean="0"/>
               <a:t>Click to edit Master title style</a:t>
             </a:r>
+            <a:endParaRPr lang="en-US"/>
           </a:p>
         </p:txBody>
       </p:sp>
@@ -766,37 +773,38 @@
           <a:p>
             <a:pPr lvl="0"/>
             <a:r>
-              <a:rPr lang="en-US"/>
+              <a:rPr lang="en-US" smtClean="0"/>
               <a:t>Click to edit Master text styles</a:t>
             </a:r>
           </a:p>
           <a:p>
             <a:pPr lvl="1"/>
             <a:r>
-              <a:rPr lang="en-US"/>
+              <a:rPr lang="en-US" smtClean="0"/>
               <a:t>Second level</a:t>
             </a:r>
           </a:p>
           <a:p>
             <a:pPr lvl="2"/>
             <a:r>
-              <a:rPr lang="en-US"/>
+              <a:rPr lang="en-US" smtClean="0"/>
               <a:t>Third level</a:t>
             </a:r>
           </a:p>
           <a:p>
             <a:pPr lvl="3"/>
             <a:r>
-              <a:rPr lang="en-US"/>
+              <a:rPr lang="en-US" smtClean="0"/>
               <a:t>Fourth level</a:t>
             </a:r>
           </a:p>
           <a:p>
             <a:pPr lvl="4"/>
             <a:r>
-              <a:rPr lang="en-US"/>
+              <a:rPr lang="en-US" smtClean="0"/>
               <a:t>Fifth level</a:t>
             </a:r>
+            <a:endParaRPr lang="en-US"/>
           </a:p>
         </p:txBody>
       </p:sp>
@@ -817,7 +825,7 @@
           <a:p>
             <a:fld id="{241EB5C9-1307-BA42-ABA2-0BC069CD8E7F}" type="datetimeFigureOut">
               <a:rPr lang="en-US" smtClean="0"/>
-              <a:t>1/2/22</a:t>
+              <a:t>4/5/2019</a:t>
             </a:fld>
             <a:endParaRPr lang="en-US"/>
           </a:p>
@@ -907,22 +915,23 @@
         </p:nvSpPr>
         <p:spPr>
           <a:xfrm>
-            <a:off x="722313" y="3305176"/>
-            <a:ext cx="7772400" cy="1021556"/>
+            <a:off x="722313" y="4406900"/>
+            <a:ext cx="7772400" cy="1362075"/>
           </a:xfrm>
         </p:spPr>
         <p:txBody>
           <a:bodyPr anchor="t"/>
           <a:lstStyle>
             <a:lvl1pPr algn="l">
-              <a:defRPr sz="3000" b="1" cap="all"/>
+              <a:defRPr sz="4000" b="1" cap="all"/>
             </a:lvl1pPr>
           </a:lstStyle>
           <a:p>
             <a:r>
-              <a:rPr lang="en-US"/>
+              <a:rPr lang="en-US" smtClean="0"/>
               <a:t>Click to edit Master title style</a:t>
             </a:r>
+            <a:endParaRPr lang="en-US"/>
           </a:p>
         </p:txBody>
       </p:sp>
@@ -938,8 +947,8 @@
         </p:nvSpPr>
         <p:spPr>
           <a:xfrm>
-            <a:off x="722313" y="2180035"/>
-            <a:ext cx="7772400" cy="1125140"/>
+            <a:off x="722313" y="2906713"/>
+            <a:ext cx="7772400" cy="1500187"/>
           </a:xfrm>
         </p:spPr>
         <p:txBody>
@@ -947,7 +956,7 @@
           <a:lstStyle>
             <a:lvl1pPr marL="0" indent="0">
               <a:buNone/>
-              <a:defRPr sz="1500">
+              <a:defRPr sz="2000">
                 <a:solidFill>
                   <a:schemeClr val="tx1">
                     <a:tint val="75000"/>
@@ -955,9 +964,9 @@
                 </a:solidFill>
               </a:defRPr>
             </a:lvl1pPr>
-            <a:lvl2pPr marL="342900" indent="0">
-              <a:buNone/>
-              <a:defRPr sz="1350">
+            <a:lvl2pPr marL="457200" indent="0">
+              <a:buNone/>
+              <a:defRPr sz="1800">
                 <a:solidFill>
                   <a:schemeClr val="tx1">
                     <a:tint val="75000"/>
@@ -965,9 +974,9 @@
                 </a:solidFill>
               </a:defRPr>
             </a:lvl2pPr>
-            <a:lvl3pPr marL="685800" indent="0">
-              <a:buNone/>
-              <a:defRPr sz="1200">
+            <a:lvl3pPr marL="914400" indent="0">
+              <a:buNone/>
+              <a:defRPr sz="1600">
                 <a:solidFill>
                   <a:schemeClr val="tx1">
                     <a:tint val="75000"/>
@@ -975,9 +984,9 @@
                 </a:solidFill>
               </a:defRPr>
             </a:lvl3pPr>
-            <a:lvl4pPr marL="1028700" indent="0">
-              <a:buNone/>
-              <a:defRPr sz="1050">
+            <a:lvl4pPr marL="1371600" indent="0">
+              <a:buNone/>
+              <a:defRPr sz="1400">
                 <a:solidFill>
                   <a:schemeClr val="tx1">
                     <a:tint val="75000"/>
@@ -985,9 +994,9 @@
                 </a:solidFill>
               </a:defRPr>
             </a:lvl4pPr>
-            <a:lvl5pPr marL="1371600" indent="0">
-              <a:buNone/>
-              <a:defRPr sz="1050">
+            <a:lvl5pPr marL="1828800" indent="0">
+              <a:buNone/>
+              <a:defRPr sz="1400">
                 <a:solidFill>
                   <a:schemeClr val="tx1">
                     <a:tint val="75000"/>
@@ -995,9 +1004,9 @@
                 </a:solidFill>
               </a:defRPr>
             </a:lvl5pPr>
-            <a:lvl6pPr marL="1714500" indent="0">
-              <a:buNone/>
-              <a:defRPr sz="1050">
+            <a:lvl6pPr marL="2286000" indent="0">
+              <a:buNone/>
+              <a:defRPr sz="1400">
                 <a:solidFill>
                   <a:schemeClr val="tx1">
                     <a:tint val="75000"/>
@@ -1005,9 +1014,9 @@
                 </a:solidFill>
               </a:defRPr>
             </a:lvl6pPr>
-            <a:lvl7pPr marL="2057400" indent="0">
-              <a:buNone/>
-              <a:defRPr sz="1050">
+            <a:lvl7pPr marL="2743200" indent="0">
+              <a:buNone/>
+              <a:defRPr sz="1400">
                 <a:solidFill>
                   <a:schemeClr val="tx1">
                     <a:tint val="75000"/>
@@ -1015,9 +1024,9 @@
                 </a:solidFill>
               </a:defRPr>
             </a:lvl7pPr>
-            <a:lvl8pPr marL="2400300" indent="0">
-              <a:buNone/>
-              <a:defRPr sz="1050">
+            <a:lvl8pPr marL="3200400" indent="0">
+              <a:buNone/>
+              <a:defRPr sz="1400">
                 <a:solidFill>
                   <a:schemeClr val="tx1">
                     <a:tint val="75000"/>
@@ -1025,9 +1034,9 @@
                 </a:solidFill>
               </a:defRPr>
             </a:lvl8pPr>
-            <a:lvl9pPr marL="2743200" indent="0">
-              <a:buNone/>
-              <a:defRPr sz="1050">
+            <a:lvl9pPr marL="3657600" indent="0">
+              <a:buNone/>
+              <a:defRPr sz="1400">
                 <a:solidFill>
                   <a:schemeClr val="tx1">
                     <a:tint val="75000"/>
@@ -1039,7 +1048,7 @@
           <a:p>
             <a:pPr lvl="0"/>
             <a:r>
-              <a:rPr lang="en-US"/>
+              <a:rPr lang="en-US" smtClean="0"/>
               <a:t>Click to edit Master text styles</a:t>
             </a:r>
           </a:p>
@@ -1062,7 +1071,7 @@
           <a:p>
             <a:fld id="{241EB5C9-1307-BA42-ABA2-0BC069CD8E7F}" type="datetimeFigureOut">
               <a:rPr lang="en-US" smtClean="0"/>
-              <a:t>1/2/22</a:t>
+              <a:t>4/5/2019</a:t>
             </a:fld>
             <a:endParaRPr lang="en-US"/>
           </a:p>
@@ -1156,9 +1165,10 @@
           <a:lstStyle/>
           <a:p>
             <a:r>
-              <a:rPr lang="en-US"/>
+              <a:rPr lang="en-US" smtClean="0"/>
               <a:t>Click to edit Master title style</a:t>
             </a:r>
+            <a:endParaRPr lang="en-US"/>
           </a:p>
         </p:txBody>
       </p:sp>
@@ -1174,75 +1184,76 @@
         </p:nvSpPr>
         <p:spPr>
           <a:xfrm>
-            <a:off x="457200" y="1200151"/>
-            <a:ext cx="4038600" cy="3394472"/>
+            <a:off x="457200" y="1600200"/>
+            <a:ext cx="4038600" cy="4525963"/>
           </a:xfrm>
         </p:spPr>
         <p:txBody>
           <a:bodyPr/>
           <a:lstStyle>
             <a:lvl1pPr>
-              <a:defRPr sz="2100"/>
+              <a:defRPr sz="2800"/>
             </a:lvl1pPr>
             <a:lvl2pPr>
-              <a:defRPr sz="1800"/>
+              <a:defRPr sz="2400"/>
             </a:lvl2pPr>
             <a:lvl3pPr>
-              <a:defRPr sz="1500"/>
+              <a:defRPr sz="2000"/>
             </a:lvl3pPr>
             <a:lvl4pPr>
-              <a:defRPr sz="1350"/>
+              <a:defRPr sz="1800"/>
             </a:lvl4pPr>
             <a:lvl5pPr>
-              <a:defRPr sz="1350"/>
+              <a:defRPr sz="1800"/>
             </a:lvl5pPr>
             <a:lvl6pPr>
-              <a:defRPr sz="1350"/>
+              <a:defRPr sz="1800"/>
             </a:lvl6pPr>
             <a:lvl7pPr>
-              <a:defRPr sz="1350"/>
+              <a:defRPr sz="1800"/>
             </a:lvl7pPr>
             <a:lvl8pPr>
-              <a:defRPr sz="1350"/>
+              <a:defRPr sz="1800"/>
             </a:lvl8pPr>
             <a:lvl9pPr>
-              <a:defRPr sz="1350"/>
+              <a:defRPr sz="1800"/>
             </a:lvl9pPr>
           </a:lstStyle>
           <a:p>
             <a:pPr lvl="0"/>
             <a:r>
-              <a:rPr lang="en-US"/>
+              <a:rPr lang="en-US" smtClean="0"/>
               <a:t>Click to edit Master text styles</a:t>
             </a:r>
           </a:p>
           <a:p>
             <a:pPr lvl="1"/>
             <a:r>
-              <a:rPr lang="en-US"/>
+              <a:rPr lang="en-US" smtClean="0"/>
               <a:t>Second level</a:t>
             </a:r>
           </a:p>
           <a:p>
             <a:pPr lvl="2"/>
             <a:r>
-              <a:rPr lang="en-US"/>
+              <a:rPr lang="en-US" smtClean="0"/>
               <a:t>Third level</a:t>
             </a:r>
           </a:p>
           <a:p>
             <a:pPr lvl="3"/>
             <a:r>
-              <a:rPr lang="en-US"/>
+              <a:rPr lang="en-US" smtClean="0"/>
               <a:t>Fourth level</a:t>
             </a:r>
           </a:p>
           <a:p>
             <a:pPr lvl="4"/>
             <a:r>
-              <a:rPr lang="en-US"/>
+              <a:rPr lang="en-US" smtClean="0"/>
               <a:t>Fifth level</a:t>
             </a:r>
+            <a:endParaRPr lang="en-US"/>
           </a:p>
         </p:txBody>
       </p:sp>
@@ -1258,75 +1269,76 @@
         </p:nvSpPr>
         <p:spPr>
           <a:xfrm>
-            <a:off x="4648200" y="1200151"/>
-            <a:ext cx="4038600" cy="3394472"/>
+            <a:off x="4648200" y="1600200"/>
+            <a:ext cx="4038600" cy="4525963"/>
           </a:xfrm>
         </p:spPr>
         <p:txBody>
           <a:bodyPr/>
           <a:lstStyle>
             <a:lvl1pPr>
-              <a:defRPr sz="2100"/>
+              <a:defRPr sz="2800"/>
             </a:lvl1pPr>
             <a:lvl2pPr>
-              <a:defRPr sz="1800"/>
+              <a:defRPr sz="2400"/>
             </a:lvl2pPr>
             <a:lvl3pPr>
-              <a:defRPr sz="1500"/>
+              <a:defRPr sz="2000"/>
             </a:lvl3pPr>
             <a:lvl4pPr>
-              <a:defRPr sz="1350"/>
+              <a:defRPr sz="1800"/>
             </a:lvl4pPr>
             <a:lvl5pPr>
-              <a:defRPr sz="1350"/>
+              <a:defRPr sz="1800"/>
             </a:lvl5pPr>
             <a:lvl6pPr>
-              <a:defRPr sz="1350"/>
+              <a:defRPr sz="1800"/>
             </a:lvl6pPr>
             <a:lvl7pPr>
-              <a:defRPr sz="1350"/>
+              <a:defRPr sz="1800"/>
             </a:lvl7pPr>
             <a:lvl8pPr>
-              <a:defRPr sz="1350"/>
+              <a:defRPr sz="1800"/>
             </a:lvl8pPr>
             <a:lvl9pPr>
-              <a:defRPr sz="1350"/>
+              <a:defRPr sz="1800"/>
             </a:lvl9pPr>
           </a:lstStyle>
           <a:p>
             <a:pPr lvl="0"/>
             <a:r>
-              <a:rPr lang="en-US"/>
+              <a:rPr lang="en-US" smtClean="0"/>
               <a:t>Click to edit Master text styles</a:t>
             </a:r>
           </a:p>
           <a:p>
             <a:pPr lvl="1"/>
             <a:r>
-              <a:rPr lang="en-US"/>
+              <a:rPr lang="en-US" smtClean="0"/>
               <a:t>Second level</a:t>
             </a:r>
           </a:p>
           <a:p>
             <a:pPr lvl="2"/>
             <a:r>
-              <a:rPr lang="en-US"/>
+              <a:rPr lang="en-US" smtClean="0"/>
               <a:t>Third level</a:t>
             </a:r>
           </a:p>
           <a:p>
             <a:pPr lvl="3"/>
             <a:r>
-              <a:rPr lang="en-US"/>
+              <a:rPr lang="en-US" smtClean="0"/>
               <a:t>Fourth level</a:t>
             </a:r>
           </a:p>
           <a:p>
             <a:pPr lvl="4"/>
             <a:r>
-              <a:rPr lang="en-US"/>
+              <a:rPr lang="en-US" smtClean="0"/>
               <a:t>Fifth level</a:t>
             </a:r>
+            <a:endParaRPr lang="en-US"/>
           </a:p>
         </p:txBody>
       </p:sp>
@@ -1347,7 +1359,7 @@
           <a:p>
             <a:fld id="{241EB5C9-1307-BA42-ABA2-0BC069CD8E7F}" type="datetimeFigureOut">
               <a:rPr lang="en-US" smtClean="0"/>
-              <a:t>1/2/22</a:t>
+              <a:t>4/5/2019</a:t>
             </a:fld>
             <a:endParaRPr lang="en-US"/>
           </a:p>
@@ -1445,9 +1457,10 @@
           </a:lstStyle>
           <a:p>
             <a:r>
-              <a:rPr lang="en-US"/>
+              <a:rPr lang="en-US" smtClean="0"/>
               <a:t>Click to edit Master title style</a:t>
             </a:r>
+            <a:endParaRPr lang="en-US"/>
           </a:p>
         </p:txBody>
       </p:sp>
@@ -1463,8 +1476,8 @@
         </p:nvSpPr>
         <p:spPr>
           <a:xfrm>
-            <a:off x="457200" y="1151335"/>
-            <a:ext cx="4040188" cy="479822"/>
+            <a:off x="457200" y="1535113"/>
+            <a:ext cx="4040188" cy="639762"/>
           </a:xfrm>
         </p:spPr>
         <p:txBody>
@@ -1472,45 +1485,45 @@
           <a:lstStyle>
             <a:lvl1pPr marL="0" indent="0">
               <a:buNone/>
+              <a:defRPr sz="2400" b="1"/>
+            </a:lvl1pPr>
+            <a:lvl2pPr marL="457200" indent="0">
+              <a:buNone/>
+              <a:defRPr sz="2000" b="1"/>
+            </a:lvl2pPr>
+            <a:lvl3pPr marL="914400" indent="0">
+              <a:buNone/>
               <a:defRPr sz="1800" b="1"/>
-            </a:lvl1pPr>
-            <a:lvl2pPr marL="342900" indent="0">
-              <a:buNone/>
-              <a:defRPr sz="1500" b="1"/>
-            </a:lvl2pPr>
-            <a:lvl3pPr marL="685800" indent="0">
-              <a:buNone/>
-              <a:defRPr sz="1350" b="1"/>
             </a:lvl3pPr>
-            <a:lvl4pPr marL="1028700" indent="0">
-              <a:buNone/>
-              <a:defRPr sz="1200" b="1"/>
+            <a:lvl4pPr marL="1371600" indent="0">
+              <a:buNone/>
+              <a:defRPr sz="1600" b="1"/>
             </a:lvl4pPr>
-            <a:lvl5pPr marL="1371600" indent="0">
-              <a:buNone/>
-              <a:defRPr sz="1200" b="1"/>
+            <a:lvl5pPr marL="1828800" indent="0">
+              <a:buNone/>
+              <a:defRPr sz="1600" b="1"/>
             </a:lvl5pPr>
-            <a:lvl6pPr marL="1714500" indent="0">
-              <a:buNone/>
-              <a:defRPr sz="1200" b="1"/>
+            <a:lvl6pPr marL="2286000" indent="0">
+              <a:buNone/>
+              <a:defRPr sz="1600" b="1"/>
             </a:lvl6pPr>
-            <a:lvl7pPr marL="2057400" indent="0">
-              <a:buNone/>
-              <a:defRPr sz="1200" b="1"/>
+            <a:lvl7pPr marL="2743200" indent="0">
+              <a:buNone/>
+              <a:defRPr sz="1600" b="1"/>
             </a:lvl7pPr>
-            <a:lvl8pPr marL="2400300" indent="0">
-              <a:buNone/>
-              <a:defRPr sz="1200" b="1"/>
+            <a:lvl8pPr marL="3200400" indent="0">
+              <a:buNone/>
+              <a:defRPr sz="1600" b="1"/>
             </a:lvl8pPr>
-            <a:lvl9pPr marL="2743200" indent="0">
-              <a:buNone/>
-              <a:defRPr sz="1200" b="1"/>
+            <a:lvl9pPr marL="3657600" indent="0">
+              <a:buNone/>
+              <a:defRPr sz="1600" b="1"/>
             </a:lvl9pPr>
           </a:lstStyle>
           <a:p>
             <a:pPr lvl="0"/>
             <a:r>
-              <a:rPr lang="en-US"/>
+              <a:rPr lang="en-US" smtClean="0"/>
               <a:t>Click to edit Master text styles</a:t>
             </a:r>
           </a:p>
@@ -1528,75 +1541,76 @@
         </p:nvSpPr>
         <p:spPr>
           <a:xfrm>
-            <a:off x="457200" y="1631156"/>
-            <a:ext cx="4040188" cy="2963466"/>
+            <a:off x="457200" y="2174875"/>
+            <a:ext cx="4040188" cy="3951288"/>
           </a:xfrm>
         </p:spPr>
         <p:txBody>
           <a:bodyPr/>
           <a:lstStyle>
             <a:lvl1pPr>
-              <a:defRPr sz="1800"/>
+              <a:defRPr sz="2400"/>
             </a:lvl1pPr>
             <a:lvl2pPr>
-              <a:defRPr sz="1500"/>
+              <a:defRPr sz="2000"/>
             </a:lvl2pPr>
             <a:lvl3pPr>
-              <a:defRPr sz="1350"/>
+              <a:defRPr sz="1800"/>
             </a:lvl3pPr>
             <a:lvl4pPr>
-              <a:defRPr sz="1200"/>
+              <a:defRPr sz="1600"/>
             </a:lvl4pPr>
             <a:lvl5pPr>
-              <a:defRPr sz="1200"/>
+              <a:defRPr sz="1600"/>
             </a:lvl5pPr>
             <a:lvl6pPr>
-              <a:defRPr sz="1200"/>
+              <a:defRPr sz="1600"/>
             </a:lvl6pPr>
             <a:lvl7pPr>
-              <a:defRPr sz="1200"/>
+              <a:defRPr sz="1600"/>
             </a:lvl7pPr>
             <a:lvl8pPr>
-              <a:defRPr sz="1200"/>
+              <a:defRPr sz="1600"/>
             </a:lvl8pPr>
             <a:lvl9pPr>
-              <a:defRPr sz="1200"/>
+              <a:defRPr sz="1600"/>
             </a:lvl9pPr>
           </a:lstStyle>
           <a:p>
             <a:pPr lvl="0"/>
             <a:r>
-              <a:rPr lang="en-US"/>
+              <a:rPr lang="en-US" smtClean="0"/>
               <a:t>Click to edit Master text styles</a:t>
             </a:r>
           </a:p>
           <a:p>
             <a:pPr lvl="1"/>
             <a:r>
-              <a:rPr lang="en-US"/>
+              <a:rPr lang="en-US" smtClean="0"/>
               <a:t>Second level</a:t>
             </a:r>
           </a:p>
           <a:p>
             <a:pPr lvl="2"/>
             <a:r>
-              <a:rPr lang="en-US"/>
+              <a:rPr lang="en-US" smtClean="0"/>
               <a:t>Third level</a:t>
             </a:r>
           </a:p>
           <a:p>
             <a:pPr lvl="3"/>
             <a:r>
-              <a:rPr lang="en-US"/>
+              <a:rPr lang="en-US" smtClean="0"/>
               <a:t>Fourth level</a:t>
             </a:r>
           </a:p>
           <a:p>
             <a:pPr lvl="4"/>
             <a:r>
-              <a:rPr lang="en-US"/>
+              <a:rPr lang="en-US" smtClean="0"/>
               <a:t>Fifth level</a:t>
             </a:r>
+            <a:endParaRPr lang="en-US"/>
           </a:p>
         </p:txBody>
       </p:sp>
@@ -1612,8 +1626,8 @@
         </p:nvSpPr>
         <p:spPr>
           <a:xfrm>
-            <a:off x="4645026" y="1151335"/>
-            <a:ext cx="4041775" cy="479822"/>
+            <a:off x="4645025" y="1535113"/>
+            <a:ext cx="4041775" cy="639762"/>
           </a:xfrm>
         </p:spPr>
         <p:txBody>
@@ -1621,45 +1635,45 @@
           <a:lstStyle>
             <a:lvl1pPr marL="0" indent="0">
               <a:buNone/>
+              <a:defRPr sz="2400" b="1"/>
+            </a:lvl1pPr>
+            <a:lvl2pPr marL="457200" indent="0">
+              <a:buNone/>
+              <a:defRPr sz="2000" b="1"/>
+            </a:lvl2pPr>
+            <a:lvl3pPr marL="914400" indent="0">
+              <a:buNone/>
               <a:defRPr sz="1800" b="1"/>
-            </a:lvl1pPr>
-            <a:lvl2pPr marL="342900" indent="0">
-              <a:buNone/>
-              <a:defRPr sz="1500" b="1"/>
-            </a:lvl2pPr>
-            <a:lvl3pPr marL="685800" indent="0">
-              <a:buNone/>
-              <a:defRPr sz="1350" b="1"/>
             </a:lvl3pPr>
-            <a:lvl4pPr marL="1028700" indent="0">
-              <a:buNone/>
-              <a:defRPr sz="1200" b="1"/>
+            <a:lvl4pPr marL="1371600" indent="0">
+              <a:buNone/>
+              <a:defRPr sz="1600" b="1"/>
             </a:lvl4pPr>
-            <a:lvl5pPr marL="1371600" indent="0">
-              <a:buNone/>
-              <a:defRPr sz="1200" b="1"/>
+            <a:lvl5pPr marL="1828800" indent="0">
+              <a:buNone/>
+              <a:defRPr sz="1600" b="1"/>
             </a:lvl5pPr>
-            <a:lvl6pPr marL="1714500" indent="0">
-              <a:buNone/>
-              <a:defRPr sz="1200" b="1"/>
+            <a:lvl6pPr marL="2286000" indent="0">
+              <a:buNone/>
+              <a:defRPr sz="1600" b="1"/>
             </a:lvl6pPr>
-            <a:lvl7pPr marL="2057400" indent="0">
-              <a:buNone/>
-              <a:defRPr sz="1200" b="1"/>
+            <a:lvl7pPr marL="2743200" indent="0">
+              <a:buNone/>
+              <a:defRPr sz="1600" b="1"/>
             </a:lvl7pPr>
-            <a:lvl8pPr marL="2400300" indent="0">
-              <a:buNone/>
-              <a:defRPr sz="1200" b="1"/>
+            <a:lvl8pPr marL="3200400" indent="0">
+              <a:buNone/>
+              <a:defRPr sz="1600" b="1"/>
             </a:lvl8pPr>
-            <a:lvl9pPr marL="2743200" indent="0">
-              <a:buNone/>
-              <a:defRPr sz="1200" b="1"/>
+            <a:lvl9pPr marL="3657600" indent="0">
+              <a:buNone/>
+              <a:defRPr sz="1600" b="1"/>
             </a:lvl9pPr>
           </a:lstStyle>
           <a:p>
             <a:pPr lvl="0"/>
             <a:r>
-              <a:rPr lang="en-US"/>
+              <a:rPr lang="en-US" smtClean="0"/>
               <a:t>Click to edit Master text styles</a:t>
             </a:r>
           </a:p>
@@ -1677,75 +1691,76 @@
         </p:nvSpPr>
         <p:spPr>
           <a:xfrm>
-            <a:off x="4645026" y="1631156"/>
-            <a:ext cx="4041775" cy="2963466"/>
+            <a:off x="4645025" y="2174875"/>
+            <a:ext cx="4041775" cy="3951288"/>
           </a:xfrm>
         </p:spPr>
         <p:txBody>
           <a:bodyPr/>
           <a:lstStyle>
             <a:lvl1pPr>
-              <a:defRPr sz="1800"/>
+              <a:defRPr sz="2400"/>
             </a:lvl1pPr>
             <a:lvl2pPr>
-              <a:defRPr sz="1500"/>
+              <a:defRPr sz="2000"/>
             </a:lvl2pPr>
             <a:lvl3pPr>
-              <a:defRPr sz="1350"/>
+              <a:defRPr sz="1800"/>
             </a:lvl3pPr>
             <a:lvl4pPr>
-              <a:defRPr sz="1200"/>
+              <a:defRPr sz="1600"/>
             </a:lvl4pPr>
             <a:lvl5pPr>
-              <a:defRPr sz="1200"/>
+              <a:defRPr sz="1600"/>
             </a:lvl5pPr>
             <a:lvl6pPr>
-              <a:defRPr sz="1200"/>
+              <a:defRPr sz="1600"/>
             </a:lvl6pPr>
             <a:lvl7pPr>
-              <a:defRPr sz="1200"/>
+              <a:defRPr sz="1600"/>
             </a:lvl7pPr>
             <a:lvl8pPr>
-              <a:defRPr sz="1200"/>
+              <a:defRPr sz="1600"/>
             </a:lvl8pPr>
             <a:lvl9pPr>
-              <a:defRPr sz="1200"/>
+              <a:defRPr sz="1600"/>
             </a:lvl9pPr>
           </a:lstStyle>
           <a:p>
             <a:pPr lvl="0"/>
             <a:r>
-              <a:rPr lang="en-US"/>
+              <a:rPr lang="en-US" smtClean="0"/>
               <a:t>Click to edit Master text styles</a:t>
             </a:r>
           </a:p>
           <a:p>
             <a:pPr lvl="1"/>
             <a:r>
-              <a:rPr lang="en-US"/>
+              <a:rPr lang="en-US" smtClean="0"/>
               <a:t>Second level</a:t>
             </a:r>
           </a:p>
           <a:p>
             <a:pPr lvl="2"/>
             <a:r>
-              <a:rPr lang="en-US"/>
+              <a:rPr lang="en-US" smtClean="0"/>
               <a:t>Third level</a:t>
             </a:r>
           </a:p>
           <a:p>
             <a:pPr lvl="3"/>
             <a:r>
-              <a:rPr lang="en-US"/>
+              <a:rPr lang="en-US" smtClean="0"/>
               <a:t>Fourth level</a:t>
             </a:r>
           </a:p>
           <a:p>
             <a:pPr lvl="4"/>
             <a:r>
-              <a:rPr lang="en-US"/>
+              <a:rPr lang="en-US" smtClean="0"/>
               <a:t>Fifth level</a:t>
             </a:r>
+            <a:endParaRPr lang="en-US"/>
           </a:p>
         </p:txBody>
       </p:sp>
@@ -1766,7 +1781,7 @@
           <a:p>
             <a:fld id="{241EB5C9-1307-BA42-ABA2-0BC069CD8E7F}" type="datetimeFigureOut">
               <a:rPr lang="en-US" smtClean="0"/>
-              <a:t>1/2/22</a:t>
+              <a:t>4/5/2019</a:t>
             </a:fld>
             <a:endParaRPr lang="en-US"/>
           </a:p>
@@ -1860,9 +1875,10 @@
           <a:lstStyle/>
           <a:p>
             <a:r>
-              <a:rPr lang="en-US"/>
+              <a:rPr lang="en-US" smtClean="0"/>
               <a:t>Click to edit Master title style</a:t>
             </a:r>
+            <a:endParaRPr lang="en-US"/>
           </a:p>
         </p:txBody>
       </p:sp>
@@ -1883,7 +1899,7 @@
           <a:p>
             <a:fld id="{241EB5C9-1307-BA42-ABA2-0BC069CD8E7F}" type="datetimeFigureOut">
               <a:rPr lang="en-US" smtClean="0"/>
-              <a:t>1/2/22</a:t>
+              <a:t>4/5/2019</a:t>
             </a:fld>
             <a:endParaRPr lang="en-US"/>
           </a:p>
@@ -1978,7 +1994,7 @@
           <a:p>
             <a:fld id="{241EB5C9-1307-BA42-ABA2-0BC069CD8E7F}" type="datetimeFigureOut">
               <a:rPr lang="en-US" smtClean="0"/>
-              <a:t>1/2/22</a:t>
+              <a:t>4/5/2019</a:t>
             </a:fld>
             <a:endParaRPr lang="en-US"/>
           </a:p>
@@ -2068,22 +2084,23 @@
         </p:nvSpPr>
         <p:spPr>
           <a:xfrm>
-            <a:off x="457201" y="204787"/>
-            <a:ext cx="3008313" cy="871538"/>
+            <a:off x="457200" y="273050"/>
+            <a:ext cx="3008313" cy="1162050"/>
           </a:xfrm>
         </p:spPr>
         <p:txBody>
           <a:bodyPr anchor="b"/>
           <a:lstStyle>
             <a:lvl1pPr algn="l">
-              <a:defRPr sz="1500" b="1"/>
+              <a:defRPr sz="2000" b="1"/>
             </a:lvl1pPr>
           </a:lstStyle>
           <a:p>
             <a:r>
-              <a:rPr lang="en-US"/>
+              <a:rPr lang="en-US" smtClean="0"/>
               <a:t>Click to edit Master title style</a:t>
             </a:r>
+            <a:endParaRPr lang="en-US"/>
           </a:p>
         </p:txBody>
       </p:sp>
@@ -2099,75 +2116,76 @@
         </p:nvSpPr>
         <p:spPr>
           <a:xfrm>
-            <a:off x="3575050" y="204788"/>
-            <a:ext cx="5111750" cy="4389835"/>
+            <a:off x="3575050" y="273050"/>
+            <a:ext cx="5111750" cy="5853113"/>
           </a:xfrm>
         </p:spPr>
         <p:txBody>
           <a:bodyPr/>
           <a:lstStyle>
             <a:lvl1pPr>
-              <a:defRPr sz="2400"/>
+              <a:defRPr sz="3200"/>
             </a:lvl1pPr>
             <a:lvl2pPr>
-              <a:defRPr sz="2100"/>
+              <a:defRPr sz="2800"/>
             </a:lvl2pPr>
             <a:lvl3pPr>
-              <a:defRPr sz="1800"/>
+              <a:defRPr sz="2400"/>
             </a:lvl3pPr>
             <a:lvl4pPr>
-              <a:defRPr sz="1500"/>
+              <a:defRPr sz="2000"/>
             </a:lvl4pPr>
             <a:lvl5pPr>
-              <a:defRPr sz="1500"/>
+              <a:defRPr sz="2000"/>
             </a:lvl5pPr>
             <a:lvl6pPr>
-              <a:defRPr sz="1500"/>
+              <a:defRPr sz="2000"/>
             </a:lvl6pPr>
             <a:lvl7pPr>
-              <a:defRPr sz="1500"/>
+              <a:defRPr sz="2000"/>
             </a:lvl7pPr>
             <a:lvl8pPr>
-              <a:defRPr sz="1500"/>
+              <a:defRPr sz="2000"/>
             </a:lvl8pPr>
             <a:lvl9pPr>
-              <a:defRPr sz="1500"/>
+              <a:defRPr sz="2000"/>
             </a:lvl9pPr>
           </a:lstStyle>
           <a:p>
             <a:pPr lvl="0"/>
             <a:r>
-              <a:rPr lang="en-US"/>
+              <a:rPr lang="en-US" smtClean="0"/>
               <a:t>Click to edit Master text styles</a:t>
             </a:r>
           </a:p>
           <a:p>
             <a:pPr lvl="1"/>
             <a:r>
-              <a:rPr lang="en-US"/>
+              <a:rPr lang="en-US" smtClean="0"/>
               <a:t>Second level</a:t>
             </a:r>
           </a:p>
           <a:p>
             <a:pPr lvl="2"/>
             <a:r>
-              <a:rPr lang="en-US"/>
+              <a:rPr lang="en-US" smtClean="0"/>
               <a:t>Third level</a:t>
             </a:r>
           </a:p>
           <a:p>
             <a:pPr lvl="3"/>
             <a:r>
-              <a:rPr lang="en-US"/>
+              <a:rPr lang="en-US" smtClean="0"/>
               <a:t>Fourth level</a:t>
             </a:r>
           </a:p>
           <a:p>
             <a:pPr lvl="4"/>
             <a:r>
-              <a:rPr lang="en-US"/>
+              <a:rPr lang="en-US" smtClean="0"/>
               <a:t>Fifth level</a:t>
             </a:r>
+            <a:endParaRPr lang="en-US"/>
           </a:p>
         </p:txBody>
       </p:sp>
@@ -2183,8 +2201,8 @@
         </p:nvSpPr>
         <p:spPr>
           <a:xfrm>
-            <a:off x="457201" y="1076326"/>
-            <a:ext cx="3008313" cy="3518297"/>
+            <a:off x="457200" y="1435100"/>
+            <a:ext cx="3008313" cy="4691063"/>
           </a:xfrm>
         </p:spPr>
         <p:txBody>
@@ -2192,45 +2210,45 @@
           <a:lstStyle>
             <a:lvl1pPr marL="0" indent="0">
               <a:buNone/>
-              <a:defRPr sz="1050"/>
+              <a:defRPr sz="1400"/>
             </a:lvl1pPr>
-            <a:lvl2pPr marL="342900" indent="0">
+            <a:lvl2pPr marL="457200" indent="0">
+              <a:buNone/>
+              <a:defRPr sz="1200"/>
+            </a:lvl2pPr>
+            <a:lvl3pPr marL="914400" indent="0">
+              <a:buNone/>
+              <a:defRPr sz="1000"/>
+            </a:lvl3pPr>
+            <a:lvl4pPr marL="1371600" indent="0">
               <a:buNone/>
               <a:defRPr sz="900"/>
-            </a:lvl2pPr>
-            <a:lvl3pPr marL="685800" indent="0">
-              <a:buNone/>
-              <a:defRPr sz="750"/>
-            </a:lvl3pPr>
-            <a:lvl4pPr marL="1028700" indent="0">
-              <a:buNone/>
-              <a:defRPr sz="675"/>
             </a:lvl4pPr>
-            <a:lvl5pPr marL="1371600" indent="0">
-              <a:buNone/>
-              <a:defRPr sz="675"/>
+            <a:lvl5pPr marL="1828800" indent="0">
+              <a:buNone/>
+              <a:defRPr sz="900"/>
             </a:lvl5pPr>
-            <a:lvl6pPr marL="1714500" indent="0">
-              <a:buNone/>
-              <a:defRPr sz="675"/>
+            <a:lvl6pPr marL="2286000" indent="0">
+              <a:buNone/>
+              <a:defRPr sz="900"/>
             </a:lvl6pPr>
-            <a:lvl7pPr marL="2057400" indent="0">
-              <a:buNone/>
-              <a:defRPr sz="675"/>
+            <a:lvl7pPr marL="2743200" indent="0">
+              <a:buNone/>
+              <a:defRPr sz="900"/>
             </a:lvl7pPr>
-            <a:lvl8pPr marL="2400300" indent="0">
-              <a:buNone/>
-              <a:defRPr sz="675"/>
+            <a:lvl8pPr marL="3200400" indent="0">
+              <a:buNone/>
+              <a:defRPr sz="900"/>
             </a:lvl8pPr>
-            <a:lvl9pPr marL="2743200" indent="0">
-              <a:buNone/>
-              <a:defRPr sz="675"/>
+            <a:lvl9pPr marL="3657600" indent="0">
+              <a:buNone/>
+              <a:defRPr sz="900"/>
             </a:lvl9pPr>
           </a:lstStyle>
           <a:p>
             <a:pPr lvl="0"/>
             <a:r>
-              <a:rPr lang="en-US"/>
+              <a:rPr lang="en-US" smtClean="0"/>
               <a:t>Click to edit Master text styles</a:t>
             </a:r>
           </a:p>
@@ -2253,7 +2271,7 @@
           <a:p>
             <a:fld id="{241EB5C9-1307-BA42-ABA2-0BC069CD8E7F}" type="datetimeFigureOut">
               <a:rPr lang="en-US" smtClean="0"/>
-              <a:t>1/2/22</a:t>
+              <a:t>4/5/2019</a:t>
             </a:fld>
             <a:endParaRPr lang="en-US"/>
           </a:p>
@@ -2343,22 +2361,23 @@
         </p:nvSpPr>
         <p:spPr>
           <a:xfrm>
-            <a:off x="1792288" y="3600450"/>
-            <a:ext cx="5486400" cy="425054"/>
+            <a:off x="1792288" y="4800600"/>
+            <a:ext cx="5486400" cy="566738"/>
           </a:xfrm>
         </p:spPr>
         <p:txBody>
           <a:bodyPr anchor="b"/>
           <a:lstStyle>
             <a:lvl1pPr algn="l">
-              <a:defRPr sz="1500" b="1"/>
+              <a:defRPr sz="2000" b="1"/>
             </a:lvl1pPr>
           </a:lstStyle>
           <a:p>
             <a:r>
-              <a:rPr lang="en-US"/>
+              <a:rPr lang="en-US" smtClean="0"/>
               <a:t>Click to edit Master title style</a:t>
             </a:r>
+            <a:endParaRPr lang="en-US"/>
           </a:p>
         </p:txBody>
       </p:sp>
@@ -2374,8 +2393,8 @@
         </p:nvSpPr>
         <p:spPr>
           <a:xfrm>
-            <a:off x="1792288" y="459581"/>
-            <a:ext cx="5486400" cy="3086100"/>
+            <a:off x="1792288" y="612775"/>
+            <a:ext cx="5486400" cy="4114800"/>
           </a:xfrm>
         </p:spPr>
         <p:txBody>
@@ -2383,39 +2402,39 @@
           <a:lstStyle>
             <a:lvl1pPr marL="0" indent="0">
               <a:buNone/>
+              <a:defRPr sz="3200"/>
+            </a:lvl1pPr>
+            <a:lvl2pPr marL="457200" indent="0">
+              <a:buNone/>
+              <a:defRPr sz="2800"/>
+            </a:lvl2pPr>
+            <a:lvl3pPr marL="914400" indent="0">
+              <a:buNone/>
               <a:defRPr sz="2400"/>
-            </a:lvl1pPr>
-            <a:lvl2pPr marL="342900" indent="0">
-              <a:buNone/>
-              <a:defRPr sz="2100"/>
-            </a:lvl2pPr>
-            <a:lvl3pPr marL="685800" indent="0">
-              <a:buNone/>
-              <a:defRPr sz="1800"/>
             </a:lvl3pPr>
-            <a:lvl4pPr marL="1028700" indent="0">
-              <a:buNone/>
-              <a:defRPr sz="1500"/>
+            <a:lvl4pPr marL="1371600" indent="0">
+              <a:buNone/>
+              <a:defRPr sz="2000"/>
             </a:lvl4pPr>
-            <a:lvl5pPr marL="1371600" indent="0">
-              <a:buNone/>
-              <a:defRPr sz="1500"/>
+            <a:lvl5pPr marL="1828800" indent="0">
+              <a:buNone/>
+              <a:defRPr sz="2000"/>
             </a:lvl5pPr>
-            <a:lvl6pPr marL="1714500" indent="0">
-              <a:buNone/>
-              <a:defRPr sz="1500"/>
+            <a:lvl6pPr marL="2286000" indent="0">
+              <a:buNone/>
+              <a:defRPr sz="2000"/>
             </a:lvl6pPr>
-            <a:lvl7pPr marL="2057400" indent="0">
-              <a:buNone/>
-              <a:defRPr sz="1500"/>
+            <a:lvl7pPr marL="2743200" indent="0">
+              <a:buNone/>
+              <a:defRPr sz="2000"/>
             </a:lvl7pPr>
-            <a:lvl8pPr marL="2400300" indent="0">
-              <a:buNone/>
-              <a:defRPr sz="1500"/>
+            <a:lvl8pPr marL="3200400" indent="0">
+              <a:buNone/>
+              <a:defRPr sz="2000"/>
             </a:lvl8pPr>
-            <a:lvl9pPr marL="2743200" indent="0">
-              <a:buNone/>
-              <a:defRPr sz="1500"/>
+            <a:lvl9pPr marL="3657600" indent="0">
+              <a:buNone/>
+              <a:defRPr sz="2000"/>
             </a:lvl9pPr>
           </a:lstStyle>
           <a:p>
@@ -2435,8 +2454,8 @@
         </p:nvSpPr>
         <p:spPr>
           <a:xfrm>
-            <a:off x="1792288" y="4025503"/>
-            <a:ext cx="5486400" cy="603647"/>
+            <a:off x="1792288" y="5367338"/>
+            <a:ext cx="5486400" cy="804862"/>
           </a:xfrm>
         </p:spPr>
         <p:txBody>
@@ -2444,45 +2463,45 @@
           <a:lstStyle>
             <a:lvl1pPr marL="0" indent="0">
               <a:buNone/>
-              <a:defRPr sz="1050"/>
+              <a:defRPr sz="1400"/>
             </a:lvl1pPr>
-            <a:lvl2pPr marL="342900" indent="0">
+            <a:lvl2pPr marL="457200" indent="0">
+              <a:buNone/>
+              <a:defRPr sz="1200"/>
+            </a:lvl2pPr>
+            <a:lvl3pPr marL="914400" indent="0">
+              <a:buNone/>
+              <a:defRPr sz="1000"/>
+            </a:lvl3pPr>
+            <a:lvl4pPr marL="1371600" indent="0">
               <a:buNone/>
               <a:defRPr sz="900"/>
-            </a:lvl2pPr>
-            <a:lvl3pPr marL="685800" indent="0">
-              <a:buNone/>
-              <a:defRPr sz="750"/>
-            </a:lvl3pPr>
-            <a:lvl4pPr marL="1028700" indent="0">
-              <a:buNone/>
-              <a:defRPr sz="675"/>
             </a:lvl4pPr>
-            <a:lvl5pPr marL="1371600" indent="0">
-              <a:buNone/>
-              <a:defRPr sz="675"/>
+            <a:lvl5pPr marL="1828800" indent="0">
+              <a:buNone/>
+              <a:defRPr sz="900"/>
             </a:lvl5pPr>
-            <a:lvl6pPr marL="1714500" indent="0">
-              <a:buNone/>
-              <a:defRPr sz="675"/>
+            <a:lvl6pPr marL="2286000" indent="0">
+              <a:buNone/>
+              <a:defRPr sz="900"/>
             </a:lvl6pPr>
-            <a:lvl7pPr marL="2057400" indent="0">
-              <a:buNone/>
-              <a:defRPr sz="675"/>
+            <a:lvl7pPr marL="2743200" indent="0">
+              <a:buNone/>
+              <a:defRPr sz="900"/>
             </a:lvl7pPr>
-            <a:lvl8pPr marL="2400300" indent="0">
-              <a:buNone/>
-              <a:defRPr sz="675"/>
+            <a:lvl8pPr marL="3200400" indent="0">
+              <a:buNone/>
+              <a:defRPr sz="900"/>
             </a:lvl8pPr>
-            <a:lvl9pPr marL="2743200" indent="0">
-              <a:buNone/>
-              <a:defRPr sz="675"/>
+            <a:lvl9pPr marL="3657600" indent="0">
+              <a:buNone/>
+              <a:defRPr sz="900"/>
             </a:lvl9pPr>
           </a:lstStyle>
           <a:p>
             <a:pPr lvl="0"/>
             <a:r>
-              <a:rPr lang="en-US"/>
+              <a:rPr lang="en-US" smtClean="0"/>
               <a:t>Click to edit Master text styles</a:t>
             </a:r>
           </a:p>
@@ -2505,7 +2524,7 @@
           <a:p>
             <a:fld id="{241EB5C9-1307-BA42-ABA2-0BC069CD8E7F}" type="datetimeFigureOut">
               <a:rPr lang="en-US" smtClean="0"/>
-              <a:t>1/2/22</a:t>
+              <a:t>4/5/2019</a:t>
             </a:fld>
             <a:endParaRPr lang="en-US"/>
           </a:p>
@@ -2567,7 +2586,7 @@
 </file>
 
 <file path=ppt/slideMasters/slideMaster1.xml><?xml version="1.0" encoding="utf-8"?>
-<p:sldMaster xmlns:a="http://schemas.openxmlformats.org/drawingml/2006/main" xmlns:p="http://schemas.openxmlformats.org/presentationml/2006/main" xmlns:r="http://schemas.openxmlformats.org/officeDocument/2006/relationships">
+<p:sldMaster xmlns:a="http://schemas.openxmlformats.org/drawingml/2006/main" xmlns:r="http://schemas.openxmlformats.org/officeDocument/2006/relationships" xmlns:p="http://schemas.openxmlformats.org/presentationml/2006/main">
   <p:cSld>
     <p:bg>
       <p:bgRef idx="1001">
@@ -2600,23 +2619,24 @@
         </p:nvSpPr>
         <p:spPr>
           <a:xfrm>
-            <a:off x="457200" y="205979"/>
-            <a:ext cx="8229600" cy="857250"/>
+            <a:off x="457200" y="274638"/>
+            <a:ext cx="8229600" cy="1143000"/>
           </a:xfrm>
           <a:prstGeom prst="rect">
             <a:avLst/>
           </a:prstGeom>
         </p:spPr>
         <p:txBody>
-          <a:bodyPr anchor="ctr" bIns="45720" lIns="91440" rIns="91440" rtlCol="0" tIns="45720" vert="horz">
+          <a:bodyPr vert="horz" lIns="91440" tIns="45720" rIns="91440" bIns="45720" rtlCol="0" anchor="ctr">
             <a:normAutofit/>
           </a:bodyPr>
           <a:lstStyle/>
           <a:p>
             <a:r>
-              <a:rPr lang="en-US"/>
+              <a:rPr lang="en-US" smtClean="0"/>
               <a:t>Click to edit Master title style</a:t>
             </a:r>
+            <a:endParaRPr lang="en-US"/>
           </a:p>
         </p:txBody>
       </p:sp>
@@ -2627,57 +2647,58 @@
             <a:spLocks noGrp="1"/>
           </p:cNvSpPr>
           <p:nvPr>
-            <p:ph idx="1" type="body"/>
+            <p:ph type="body" idx="1"/>
           </p:nvPr>
         </p:nvSpPr>
         <p:spPr>
           <a:xfrm>
-            <a:off x="457200" y="1200151"/>
-            <a:ext cx="8229600" cy="3394472"/>
+            <a:off x="457200" y="1600200"/>
+            <a:ext cx="8229600" cy="4525963"/>
           </a:xfrm>
           <a:prstGeom prst="rect">
             <a:avLst/>
           </a:prstGeom>
         </p:spPr>
         <p:txBody>
-          <a:bodyPr bIns="45720" lIns="91440" rIns="91440" rtlCol="0" tIns="45720" vert="horz">
+          <a:bodyPr vert="horz" lIns="91440" tIns="45720" rIns="91440" bIns="45720" rtlCol="0">
             <a:normAutofit/>
           </a:bodyPr>
           <a:lstStyle/>
           <a:p>
             <a:pPr lvl="0"/>
             <a:r>
-              <a:rPr lang="en-US"/>
+              <a:rPr lang="en-US" smtClean="0"/>
               <a:t>Click to edit Master text styles</a:t>
             </a:r>
           </a:p>
           <a:p>
             <a:pPr lvl="1"/>
             <a:r>
-              <a:rPr lang="en-US"/>
+              <a:rPr lang="en-US" smtClean="0"/>
               <a:t>Second level</a:t>
             </a:r>
           </a:p>
           <a:p>
             <a:pPr lvl="2"/>
             <a:r>
-              <a:rPr lang="en-US"/>
+              <a:rPr lang="en-US" smtClean="0"/>
               <a:t>Third level</a:t>
             </a:r>
           </a:p>
           <a:p>
             <a:pPr lvl="3"/>
             <a:r>
-              <a:rPr lang="en-US"/>
+              <a:rPr lang="en-US" smtClean="0"/>
               <a:t>Fourth level</a:t>
             </a:r>
           </a:p>
           <a:p>
             <a:pPr lvl="4"/>
             <a:r>
-              <a:rPr lang="en-US"/>
+              <a:rPr lang="en-US" smtClean="0"/>
               <a:t>Fifth level</a:t>
             </a:r>
+            <a:endParaRPr lang="en-US"/>
           </a:p>
         </p:txBody>
       </p:sp>
@@ -2688,23 +2709,23 @@
             <a:spLocks noGrp="1"/>
           </p:cNvSpPr>
           <p:nvPr>
-            <p:ph idx="2" sz="half" type="dt"/>
+            <p:ph type="dt" sz="half" idx="2"/>
           </p:nvPr>
         </p:nvSpPr>
         <p:spPr>
           <a:xfrm>
-            <a:off x="457200" y="4767263"/>
-            <a:ext cx="2133600" cy="273844"/>
+            <a:off x="457200" y="6356350"/>
+            <a:ext cx="2133600" cy="365125"/>
           </a:xfrm>
           <a:prstGeom prst="rect">
             <a:avLst/>
           </a:prstGeom>
         </p:spPr>
         <p:txBody>
-          <a:bodyPr anchor="ctr" bIns="45720" lIns="91440" rIns="91440" rtlCol="0" tIns="45720" vert="horz"/>
+          <a:bodyPr vert="horz" lIns="91440" tIns="45720" rIns="91440" bIns="45720" rtlCol="0" anchor="ctr"/>
           <a:lstStyle>
             <a:lvl1pPr algn="l">
-              <a:defRPr sz="900">
+              <a:defRPr sz="1200">
                 <a:solidFill>
                   <a:schemeClr val="tx1">
                     <a:tint val="75000"/>
@@ -2716,7 +2737,7 @@
           <a:p>
             <a:fld id="{241EB5C9-1307-BA42-ABA2-0BC069CD8E7F}" type="datetimeFigureOut">
               <a:rPr lang="en-US" smtClean="0"/>
-              <a:t>1/2/22</a:t>
+              <a:t>4/5/2019</a:t>
             </a:fld>
             <a:endParaRPr lang="en-US"/>
           </a:p>
@@ -2729,23 +2750,23 @@
             <a:spLocks noGrp="1"/>
           </p:cNvSpPr>
           <p:nvPr>
-            <p:ph idx="3" sz="quarter" type="ftr"/>
+            <p:ph type="ftr" sz="quarter" idx="3"/>
           </p:nvPr>
         </p:nvSpPr>
         <p:spPr>
           <a:xfrm>
-            <a:off x="3124200" y="4767263"/>
-            <a:ext cx="2895600" cy="273844"/>
+            <a:off x="3124200" y="6356350"/>
+            <a:ext cx="2895600" cy="365125"/>
           </a:xfrm>
           <a:prstGeom prst="rect">
             <a:avLst/>
           </a:prstGeom>
         </p:spPr>
         <p:txBody>
-          <a:bodyPr anchor="ctr" bIns="45720" lIns="91440" rIns="91440" rtlCol="0" tIns="45720" vert="horz"/>
+          <a:bodyPr vert="horz" lIns="91440" tIns="45720" rIns="91440" bIns="45720" rtlCol="0" anchor="ctr"/>
           <a:lstStyle>
             <a:lvl1pPr algn="ctr">
-              <a:defRPr sz="900">
+              <a:defRPr sz="1200">
                 <a:solidFill>
                   <a:schemeClr val="tx1">
                     <a:tint val="75000"/>
@@ -2766,23 +2787,23 @@
             <a:spLocks noGrp="1"/>
           </p:cNvSpPr>
           <p:nvPr>
-            <p:ph idx="4" sz="quarter" type="sldNum"/>
+            <p:ph type="sldNum" sz="quarter" idx="4"/>
           </p:nvPr>
         </p:nvSpPr>
         <p:spPr>
           <a:xfrm>
-            <a:off x="6553200" y="4767263"/>
-            <a:ext cx="2133600" cy="273844"/>
+            <a:off x="6553200" y="6356350"/>
+            <a:ext cx="2133600" cy="365125"/>
           </a:xfrm>
           <a:prstGeom prst="rect">
             <a:avLst/>
           </a:prstGeom>
         </p:spPr>
         <p:txBody>
-          <a:bodyPr anchor="ctr" bIns="45720" lIns="91440" rIns="91440" rtlCol="0" tIns="45720" vert="horz"/>
+          <a:bodyPr vert="horz" lIns="91440" tIns="45720" rIns="91440" bIns="45720" rtlCol="0" anchor="ctr"/>
           <a:lstStyle>
             <a:lvl1pPr algn="r">
-              <a:defRPr sz="900">
+              <a:defRPr sz="1200">
                 <a:solidFill>
                   <a:schemeClr val="tx1">
                     <a:tint val="75000"/>
@@ -2807,7 +2828,7 @@
       </p:ext>
     </p:extLst>
   </p:cSld>
-  <p:clrMap accent1="accent1" accent2="accent2" accent3="accent3" accent4="accent4" accent5="accent5" accent6="accent6" bg1="lt1" bg2="lt2" folHlink="folHlink" hlink="hlink" tx1="dk1" tx2="dk2"/>
+  <p:clrMap bg1="lt1" tx1="dk1" bg2="lt2" tx2="dk2" accent1="accent1" accent2="accent2" accent3="accent3" accent4="accent4" accent5="accent5" accent6="accent6" hlink="hlink" folHlink="folHlink"/>
   <p:sldLayoutIdLst>
     <p:sldLayoutId id="2147483649" r:id="rId1"/>
     <p:sldLayoutId id="2147483650" r:id="rId2"/>
@@ -2823,12 +2844,12 @@
   </p:sldLayoutIdLst>
   <p:txStyles>
     <p:titleStyle>
-      <a:lvl1pPr algn="ctr" defTabSz="342900" eaLnBrk="1" hangingPunct="1" latinLnBrk="0" rtl="0">
+      <a:lvl1pPr algn="ctr" defTabSz="457200" rtl="0" eaLnBrk="1" latinLnBrk="0" hangingPunct="1">
         <a:spcBef>
           <a:spcPct val="0"/>
         </a:spcBef>
         <a:buNone/>
-        <a:defRPr kern="1200" sz="3300">
+        <a:defRPr sz="4400" kern="1200">
           <a:solidFill>
             <a:schemeClr val="tx1"/>
           </a:solidFill>
@@ -2839,13 +2860,13 @@
       </a:lvl1pPr>
     </p:titleStyle>
     <p:bodyStyle>
-      <a:lvl1pPr algn="l" defTabSz="342900" eaLnBrk="1" hangingPunct="1" indent="-342900" latinLnBrk="0" marL="342900" rtl="0">
+      <a:lvl1pPr marL="342900" indent="-342900" algn="l" defTabSz="457200" rtl="0" eaLnBrk="1" latinLnBrk="0" hangingPunct="1">
         <a:spcBef>
           <a:spcPct val="20000"/>
         </a:spcBef>
         <a:buFont typeface="Arial"/>
         <a:buChar char="•"/>
-        <a:defRPr kern="1200" sz="2400">
+        <a:defRPr sz="3200" kern="1200">
           <a:solidFill>
             <a:schemeClr val="tx1"/>
           </a:solidFill>
@@ -2854,13 +2875,13 @@
           <a:cs typeface="+mn-cs"/>
         </a:defRPr>
       </a:lvl1pPr>
-      <a:lvl2pPr algn="l" defTabSz="342900" eaLnBrk="1" hangingPunct="1" indent="-342900" latinLnBrk="0" marL="685800" rtl="0">
+      <a:lvl2pPr marL="742950" indent="-285750" algn="l" defTabSz="457200" rtl="0" eaLnBrk="1" latinLnBrk="0" hangingPunct="1">
         <a:spcBef>
           <a:spcPct val="20000"/>
         </a:spcBef>
         <a:buFont typeface="Arial"/>
         <a:buChar char="–"/>
-        <a:defRPr kern="1200" sz="2100">
+        <a:defRPr sz="2800" kern="1200">
           <a:solidFill>
             <a:schemeClr val="tx1"/>
           </a:solidFill>
@@ -2869,13 +2890,13 @@
           <a:cs typeface="+mn-cs"/>
         </a:defRPr>
       </a:lvl2pPr>
-      <a:lvl3pPr algn="l" defTabSz="342900" eaLnBrk="1" hangingPunct="1" indent="-342900" latinLnBrk="0" marL="1028700" rtl="0">
+      <a:lvl3pPr marL="1143000" indent="-228600" algn="l" defTabSz="457200" rtl="0" eaLnBrk="1" latinLnBrk="0" hangingPunct="1">
         <a:spcBef>
           <a:spcPct val="20000"/>
         </a:spcBef>
         <a:buFont typeface="Arial"/>
         <a:buChar char="•"/>
-        <a:defRPr kern="1200" sz="1800">
+        <a:defRPr sz="2400" kern="1200">
           <a:solidFill>
             <a:schemeClr val="tx1"/>
           </a:solidFill>
@@ -2884,13 +2905,13 @@
           <a:cs typeface="+mn-cs"/>
         </a:defRPr>
       </a:lvl3pPr>
-      <a:lvl4pPr algn="l" defTabSz="342900" eaLnBrk="1" hangingPunct="1" indent="-342900" latinLnBrk="0" marL="1371600" rtl="0">
+      <a:lvl4pPr marL="1600200" indent="-228600" algn="l" defTabSz="457200" rtl="0" eaLnBrk="1" latinLnBrk="0" hangingPunct="1">
         <a:spcBef>
           <a:spcPct val="20000"/>
         </a:spcBef>
         <a:buFont typeface="Arial"/>
         <a:buChar char="–"/>
-        <a:defRPr kern="1200" sz="1500">
+        <a:defRPr sz="2000" kern="1200">
           <a:solidFill>
             <a:schemeClr val="tx1"/>
           </a:solidFill>
@@ -2899,13 +2920,13 @@
           <a:cs typeface="+mn-cs"/>
         </a:defRPr>
       </a:lvl4pPr>
-      <a:lvl5pPr algn="l" defTabSz="342900" eaLnBrk="1" hangingPunct="1" indent="-342900" latinLnBrk="0" marL="1714500" rtl="0">
+      <a:lvl5pPr marL="2057400" indent="-228600" algn="l" defTabSz="457200" rtl="0" eaLnBrk="1" latinLnBrk="0" hangingPunct="1">
         <a:spcBef>
           <a:spcPct val="20000"/>
         </a:spcBef>
         <a:buFont typeface="Arial"/>
         <a:buChar char="»"/>
-        <a:defRPr kern="1200" sz="1500">
+        <a:defRPr sz="2000" kern="1200">
           <a:solidFill>
             <a:schemeClr val="tx1"/>
           </a:solidFill>
@@ -2914,13 +2935,13 @@
           <a:cs typeface="+mn-cs"/>
         </a:defRPr>
       </a:lvl5pPr>
-      <a:lvl6pPr algn="l" defTabSz="342900" eaLnBrk="1" hangingPunct="1" indent="-342900" latinLnBrk="0" marL="2057400" rtl="0">
+      <a:lvl6pPr marL="2514600" indent="-228600" algn="l" defTabSz="457200" rtl="0" eaLnBrk="1" latinLnBrk="0" hangingPunct="1">
         <a:spcBef>
           <a:spcPct val="20000"/>
         </a:spcBef>
         <a:buFont typeface="Arial"/>
         <a:buChar char="•"/>
-        <a:defRPr kern="1200" sz="1500">
+        <a:defRPr sz="2000" kern="1200">
           <a:solidFill>
             <a:schemeClr val="tx1"/>
           </a:solidFill>
@@ -2929,13 +2950,13 @@
           <a:cs typeface="+mn-cs"/>
         </a:defRPr>
       </a:lvl6pPr>
-      <a:lvl7pPr algn="l" defTabSz="342900" eaLnBrk="1" hangingPunct="1" indent="-342900" latinLnBrk="0" marL="2400300" rtl="0">
+      <a:lvl7pPr marL="2971800" indent="-228600" algn="l" defTabSz="457200" rtl="0" eaLnBrk="1" latinLnBrk="0" hangingPunct="1">
         <a:spcBef>
           <a:spcPct val="20000"/>
         </a:spcBef>
         <a:buFont typeface="Arial"/>
         <a:buChar char="•"/>
-        <a:defRPr kern="1200" sz="1500">
+        <a:defRPr sz="2000" kern="1200">
           <a:solidFill>
             <a:schemeClr val="tx1"/>
           </a:solidFill>
@@ -2944,13 +2965,13 @@
           <a:cs typeface="+mn-cs"/>
         </a:defRPr>
       </a:lvl7pPr>
-      <a:lvl8pPr algn="l" defTabSz="342900" eaLnBrk="1" hangingPunct="1" indent="-342900" latinLnBrk="0" marL="2743200" rtl="0">
+      <a:lvl8pPr marL="3429000" indent="-228600" algn="l" defTabSz="457200" rtl="0" eaLnBrk="1" latinLnBrk="0" hangingPunct="1">
         <a:spcBef>
           <a:spcPct val="20000"/>
         </a:spcBef>
         <a:buFont typeface="Arial"/>
         <a:buChar char="•"/>
-        <a:defRPr kern="1200" sz="1500">
+        <a:defRPr sz="2000" kern="1200">
           <a:solidFill>
             <a:schemeClr val="tx1"/>
           </a:solidFill>
@@ -2959,13 +2980,13 @@
           <a:cs typeface="+mn-cs"/>
         </a:defRPr>
       </a:lvl8pPr>
-      <a:lvl9pPr algn="l" defTabSz="342900" eaLnBrk="1" hangingPunct="1" indent="-342900" latinLnBrk="0" marL="3086100" rtl="0">
+      <a:lvl9pPr marL="3886200" indent="-228600" algn="l" defTabSz="457200" rtl="0" eaLnBrk="1" latinLnBrk="0" hangingPunct="1">
         <a:spcBef>
           <a:spcPct val="20000"/>
         </a:spcBef>
         <a:buFont typeface="Arial"/>
         <a:buChar char="•"/>
-        <a:defRPr kern="1200" sz="1500">
+        <a:defRPr sz="2000" kern="1200">
           <a:solidFill>
             <a:schemeClr val="tx1"/>
           </a:solidFill>
@@ -2979,8 +3000,8 @@
       <a:defPPr>
         <a:defRPr lang="en-US"/>
       </a:defPPr>
-      <a:lvl1pPr algn="l" defTabSz="342900" eaLnBrk="1" hangingPunct="1" latinLnBrk="0" marL="0" rtl="0">
-        <a:defRPr kern="1200" sz="1350">
+      <a:lvl1pPr marL="0" algn="l" defTabSz="457200" rtl="0" eaLnBrk="1" latinLnBrk="0" hangingPunct="1">
+        <a:defRPr sz="1800" kern="1200">
           <a:solidFill>
             <a:schemeClr val="tx1"/>
           </a:solidFill>
@@ -2989,8 +3010,8 @@
           <a:cs typeface="+mn-cs"/>
         </a:defRPr>
       </a:lvl1pPr>
-      <a:lvl2pPr algn="l" defTabSz="342900" eaLnBrk="1" hangingPunct="1" latinLnBrk="0" marL="342900" rtl="0">
-        <a:defRPr kern="1200" sz="1350">
+      <a:lvl2pPr marL="457200" algn="l" defTabSz="457200" rtl="0" eaLnBrk="1" latinLnBrk="0" hangingPunct="1">
+        <a:defRPr sz="1800" kern="1200">
           <a:solidFill>
             <a:schemeClr val="tx1"/>
           </a:solidFill>
@@ -2999,8 +3020,8 @@
           <a:cs typeface="+mn-cs"/>
         </a:defRPr>
       </a:lvl2pPr>
-      <a:lvl3pPr algn="l" defTabSz="342900" eaLnBrk="1" hangingPunct="1" latinLnBrk="0" marL="685800" rtl="0">
-        <a:defRPr kern="1200" sz="1350">
+      <a:lvl3pPr marL="914400" algn="l" defTabSz="457200" rtl="0" eaLnBrk="1" latinLnBrk="0" hangingPunct="1">
+        <a:defRPr sz="1800" kern="1200">
           <a:solidFill>
             <a:schemeClr val="tx1"/>
           </a:solidFill>
@@ -3009,8 +3030,8 @@
           <a:cs typeface="+mn-cs"/>
         </a:defRPr>
       </a:lvl3pPr>
-      <a:lvl4pPr algn="l" defTabSz="342900" eaLnBrk="1" hangingPunct="1" latinLnBrk="0" marL="1028700" rtl="0">
-        <a:defRPr kern="1200" sz="1350">
+      <a:lvl4pPr marL="1371600" algn="l" defTabSz="457200" rtl="0" eaLnBrk="1" latinLnBrk="0" hangingPunct="1">
+        <a:defRPr sz="1800" kern="1200">
           <a:solidFill>
             <a:schemeClr val="tx1"/>
           </a:solidFill>
@@ -3019,8 +3040,8 @@
           <a:cs typeface="+mn-cs"/>
         </a:defRPr>
       </a:lvl4pPr>
-      <a:lvl5pPr algn="l" defTabSz="342900" eaLnBrk="1" hangingPunct="1" latinLnBrk="0" marL="1371600" rtl="0">
-        <a:defRPr kern="1200" sz="1350">
+      <a:lvl5pPr marL="1828800" algn="l" defTabSz="457200" rtl="0" eaLnBrk="1" latinLnBrk="0" hangingPunct="1">
+        <a:defRPr sz="1800" kern="1200">
           <a:solidFill>
             <a:schemeClr val="tx1"/>
           </a:solidFill>
@@ -3029,8 +3050,8 @@
           <a:cs typeface="+mn-cs"/>
         </a:defRPr>
       </a:lvl5pPr>
-      <a:lvl6pPr algn="l" defTabSz="342900" eaLnBrk="1" hangingPunct="1" latinLnBrk="0" marL="1714500" rtl="0">
-        <a:defRPr kern="1200" sz="1350">
+      <a:lvl6pPr marL="2286000" algn="l" defTabSz="457200" rtl="0" eaLnBrk="1" latinLnBrk="0" hangingPunct="1">
+        <a:defRPr sz="1800" kern="1200">
           <a:solidFill>
             <a:schemeClr val="tx1"/>
           </a:solidFill>
@@ -3039,8 +3060,8 @@
           <a:cs typeface="+mn-cs"/>
         </a:defRPr>
       </a:lvl6pPr>
-      <a:lvl7pPr algn="l" defTabSz="342900" eaLnBrk="1" hangingPunct="1" latinLnBrk="0" marL="2057400" rtl="0">
-        <a:defRPr kern="1200" sz="1350">
+      <a:lvl7pPr marL="2743200" algn="l" defTabSz="457200" rtl="0" eaLnBrk="1" latinLnBrk="0" hangingPunct="1">
+        <a:defRPr sz="1800" kern="1200">
           <a:solidFill>
             <a:schemeClr val="tx1"/>
           </a:solidFill>
@@ -3049,8 +3070,8 @@
           <a:cs typeface="+mn-cs"/>
         </a:defRPr>
       </a:lvl7pPr>
-      <a:lvl8pPr algn="l" defTabSz="342900" eaLnBrk="1" hangingPunct="1" latinLnBrk="0" marL="2400300" rtl="0">
-        <a:defRPr kern="1200" sz="1350">
+      <a:lvl8pPr marL="3200400" algn="l" defTabSz="457200" rtl="0" eaLnBrk="1" latinLnBrk="0" hangingPunct="1">
+        <a:defRPr sz="1800" kern="1200">
           <a:solidFill>
             <a:schemeClr val="tx1"/>
           </a:solidFill>
@@ -3059,8 +3080,8 @@
           <a:cs typeface="+mn-cs"/>
         </a:defRPr>
       </a:lvl8pPr>
-      <a:lvl9pPr algn="l" defTabSz="342900" eaLnBrk="1" hangingPunct="1" latinLnBrk="0" marL="2743200" rtl="0">
-        <a:defRPr kern="1200" sz="1350">
+      <a:lvl9pPr marL="3657600" algn="l" defTabSz="457200" rtl="0" eaLnBrk="1" latinLnBrk="0" hangingPunct="1">
+        <a:defRPr sz="1800" kern="1200">
           <a:solidFill>
             <a:schemeClr val="tx1"/>
           </a:solidFill>
@@ -3106,12 +3127,12 @@
           <a:bodyPr/>
           <a:lstStyle/>
           <a:p>
-            <a:pPr lvl="0" indent="0" marL="0">
+            <a:pPr lvl="0" marL="0" indent="0">
               <a:buNone/>
             </a:pPr>
             <a:r>
               <a:rPr/>
-              <a:t>  Python les-materialen</a:t>
+              <a:t>  Python les-materialen  Yilmaz Mustafa, Instructeur Java/Python</a:t>
             </a:r>
           </a:p>
         </p:txBody>
@@ -3153,12 +3174,20 @@
           <a:bodyPr/>
           <a:lstStyle/>
           <a:p>
-            <a:pPr lvl="0" indent="0" marL="0">
+            <a:pPr lvl="0" marL="0" indent="0">
               <a:buNone/>
             </a:pPr>
             <a:r>
               <a:rPr/>
-              <a:t>Dictionaries (Woordenboeken)</a:t>
+              <a:t>Dictionaries</a:t>
+            </a:r>
+            <a:r>
+              <a:rPr/>
+              <a:t> </a:t>
+            </a:r>
+            <a:r>
+              <a:rPr/>
+              <a:t>(Woordenboeken)</a:t>
             </a:r>
           </a:p>
         </p:txBody>
@@ -3178,7 +3207,7 @@
           <a:bodyPr/>
           <a:lstStyle/>
           <a:p>
-            <a:pPr lvl="0" indent="0" marL="0">
+            <a:pPr lvl="0" marL="0" indent="0">
               <a:buNone/>
             </a:pPr>
             <a:r>
@@ -3203,7 +3232,7 @@
             </a:r>
           </a:p>
           <a:p>
-            <a:pPr lvl="0" indent="0" marL="0">
+            <a:pPr lvl="0" marL="0" indent="0">
               <a:buNone/>
             </a:pPr>
             <a:r>
@@ -3226,7 +3255,7 @@
             </a:r>
           </a:p>
           <a:p>
-            <a:pPr lvl="0" indent="0" marL="0">
+            <a:pPr lvl="0" marL="0" indent="0">
               <a:buNone/>
             </a:pPr>
             <a:r>
@@ -3243,7 +3272,7 @@
             </a:r>
           </a:p>
           <a:p>
-            <a:pPr lvl="0" indent="0" marL="0">
+            <a:pPr lvl="0" marL="0" indent="0">
               <a:buNone/>
             </a:pPr>
             <a:r>
@@ -3252,7 +3281,7 @@
             </a:r>
           </a:p>
           <a:p>
-            <a:pPr lvl="0" indent="0" marL="0">
+            <a:pPr lvl="0" marL="0" indent="0">
               <a:spcBef>
                 <a:spcPts val="3000"/>
               </a:spcBef>
@@ -3264,7 +3293,7 @@
             </a:r>
           </a:p>
           <a:p>
-            <a:pPr lvl="0" indent="0" marL="0">
+            <a:pPr lvl="0" marL="0" indent="0">
               <a:buNone/>
             </a:pPr>
             <a:r>
@@ -3416,7 +3445,7 @@
             </a:r>
           </a:p>
           <a:p>
-            <a:pPr lvl="0" indent="0" marL="0">
+            <a:pPr lvl="0" marL="0" indent="0">
               <a:buNone/>
             </a:pPr>
             <a:r>
@@ -3772,7 +3801,7 @@
             </a:r>
           </a:p>
           <a:p>
-            <a:pPr lvl="0" indent="0" marL="0">
+            <a:pPr lvl="0" marL="0" indent="0">
               <a:buNone/>
             </a:pPr>
             <a:r>
@@ -3955,7 +3984,7 @@
             </a:r>
           </a:p>
           <a:p>
-            <a:pPr lvl="0" indent="0" marL="0">
+            <a:pPr lvl="0" marL="0" indent="0">
               <a:buNone/>
             </a:pPr>
             <a:r>
@@ -4057,7 +4086,7 @@
             </a:r>
           </a:p>
           <a:p>
-            <a:pPr lvl="0" indent="0" marL="0">
+            <a:pPr lvl="0" marL="0" indent="0">
               <a:buNone/>
             </a:pPr>
             <a:r>
@@ -4254,7 +4283,7 @@
             </a:r>
           </a:p>
           <a:p>
-            <a:pPr lvl="0" indent="0" marL="0">
+            <a:pPr lvl="0" marL="0" indent="0">
               <a:spcBef>
                 <a:spcPts val="3000"/>
               </a:spcBef>
@@ -4266,7 +4295,7 @@
             </a:r>
           </a:p>
           <a:p>
-            <a:pPr lvl="0" indent="0" marL="0">
+            <a:pPr lvl="0" marL="0" indent="0">
               <a:buNone/>
             </a:pPr>
             <a:r>
@@ -4371,7 +4400,7 @@
             </a:r>
           </a:p>
           <a:p>
-            <a:pPr lvl="0" indent="0" marL="0">
+            <a:pPr lvl="0" marL="0" indent="0">
               <a:buNone/>
             </a:pPr>
             <a:r>
@@ -4457,7 +4486,7 @@
             </a:r>
           </a:p>
           <a:p>
-            <a:pPr lvl="0" indent="0" marL="0">
+            <a:pPr lvl="0" marL="0" indent="0">
               <a:spcBef>
                 <a:spcPts val="3000"/>
               </a:spcBef>
@@ -4469,7 +4498,7 @@
             </a:r>
           </a:p>
           <a:p>
-            <a:pPr lvl="0" indent="0" marL="0">
+            <a:pPr lvl="0" marL="0" indent="0">
               <a:buNone/>
             </a:pPr>
             <a:r>
@@ -4700,7 +4729,7 @@
             </a:r>
           </a:p>
           <a:p>
-            <a:pPr lvl="0" indent="0" marL="0">
+            <a:pPr lvl="0" marL="0" indent="0">
               <a:buNone/>
             </a:pPr>
             <a:r>
@@ -5033,265 +5062,4 @@
   </a:objectDefaults>
   <a:extraClrSchemeLst/>
 </a:theme>
-</file>
-
-<file path=ppt/theme/theme2.xml><?xml version="1.0" encoding="utf-8"?>
-<a:theme xmlns:a="http://schemas.openxmlformats.org/drawingml/2006/main" name="Office Theme">
-  <a:themeElements>
-    <a:clrScheme name="Office">
-      <a:dk1>
-        <a:sysClr val="windowText" lastClr="000000"/>
-      </a:dk1>
-      <a:lt1>
-        <a:sysClr val="window" lastClr="FFFFFF"/>
-      </a:lt1>
-      <a:dk2>
-        <a:srgbClr val="44546A"/>
-      </a:dk2>
-      <a:lt2>
-        <a:srgbClr val="E7E6E6"/>
-      </a:lt2>
-      <a:accent1>
-        <a:srgbClr val="5B9BD5"/>
-      </a:accent1>
-      <a:accent2>
-        <a:srgbClr val="ED7D31"/>
-      </a:accent2>
-      <a:accent3>
-        <a:srgbClr val="A5A5A5"/>
-      </a:accent3>
-      <a:accent4>
-        <a:srgbClr val="FFC000"/>
-      </a:accent4>
-      <a:accent5>
-        <a:srgbClr val="4472C4"/>
-      </a:accent5>
-      <a:accent6>
-        <a:srgbClr val="70AD47"/>
-      </a:accent6>
-      <a:hlink>
-        <a:srgbClr val="0563C1"/>
-      </a:hlink>
-      <a:folHlink>
-        <a:srgbClr val="954F72"/>
-      </a:folHlink>
-    </a:clrScheme>
-    <a:fontScheme name="Office">
-      <a:majorFont>
-        <a:latin typeface="Calibri Light" panose="020F0302020204030204"/>
-        <a:ea typeface=""/>
-        <a:cs typeface=""/>
-        <a:font script="Jpan" typeface="ＭＳ Ｐゴシック"/>
-        <a:font script="Hang" typeface="맑은 고딕"/>
-        <a:font script="Hans" typeface="宋体"/>
-        <a:font script="Hant" typeface="新細明體"/>
-        <a:font script="Arab" typeface="Times New Roman"/>
-        <a:font script="Hebr" typeface="Times New Roman"/>
-        <a:font script="Thai" typeface="Angsana New"/>
-        <a:font script="Ethi" typeface="Nyala"/>
-        <a:font script="Beng" typeface="Vrinda"/>
-        <a:font script="Gujr" typeface="Shruti"/>
-        <a:font script="Khmr" typeface="MoolBoran"/>
-        <a:font script="Knda" typeface="Tunga"/>
-        <a:font script="Guru" typeface="Raavi"/>
-        <a:font script="Cans" typeface="Euphemia"/>
-        <a:font script="Cher" typeface="Plantagenet Cherokee"/>
-        <a:font script="Yiii" typeface="Microsoft Yi Baiti"/>
-        <a:font script="Tibt" typeface="Microsoft Himalaya"/>
-        <a:font script="Thaa" typeface="MV Boli"/>
-        <a:font script="Deva" typeface="Mangal"/>
-        <a:font script="Telu" typeface="Gautami"/>
-        <a:font script="Taml" typeface="Latha"/>
-        <a:font script="Syrc" typeface="Estrangelo Edessa"/>
-        <a:font script="Orya" typeface="Kalinga"/>
-        <a:font script="Mlym" typeface="Kartika"/>
-        <a:font script="Laoo" typeface="DokChampa"/>
-        <a:font script="Sinh" typeface="Iskoola Pota"/>
-        <a:font script="Mong" typeface="Mongolian Baiti"/>
-        <a:font script="Viet" typeface="Times New Roman"/>
-        <a:font script="Uigh" typeface="Microsoft Uighur"/>
-        <a:font script="Geor" typeface="Sylfaen"/>
-      </a:majorFont>
-      <a:minorFont>
-        <a:latin typeface="Calibri" panose="020F0502020204030204"/>
-        <a:ea typeface=""/>
-        <a:cs typeface=""/>
-        <a:font script="Jpan" typeface="ＭＳ Ｐゴシック"/>
-        <a:font script="Hang" typeface="맑은 고딕"/>
-        <a:font script="Hans" typeface="宋体"/>
-        <a:font script="Hant" typeface="新細明體"/>
-        <a:font script="Arab" typeface="Arial"/>
-        <a:font script="Hebr" typeface="Arial"/>
-        <a:font script="Thai" typeface="Cordia New"/>
-        <a:font script="Ethi" typeface="Nyala"/>
-        <a:font script="Beng" typeface="Vrinda"/>
-        <a:font script="Gujr" typeface="Shruti"/>
-        <a:font script="Khmr" typeface="DaunPenh"/>
-        <a:font script="Knda" typeface="Tunga"/>
-        <a:font script="Guru" typeface="Raavi"/>
-        <a:font script="Cans" typeface="Euphemia"/>
-        <a:font script="Cher" typeface="Plantagenet Cherokee"/>
-        <a:font script="Yiii" typeface="Microsoft Yi Baiti"/>
-        <a:font script="Tibt" typeface="Microsoft Himalaya"/>
-        <a:font script="Thaa" typeface="MV Boli"/>
-        <a:font script="Deva" typeface="Mangal"/>
-        <a:font script="Telu" typeface="Gautami"/>
-        <a:font script="Taml" typeface="Latha"/>
-        <a:font script="Syrc" typeface="Estrangelo Edessa"/>
-        <a:font script="Orya" typeface="Kalinga"/>
-        <a:font script="Mlym" typeface="Kartika"/>
-        <a:font script="Laoo" typeface="DokChampa"/>
-        <a:font script="Sinh" typeface="Iskoola Pota"/>
-        <a:font script="Mong" typeface="Mongolian Baiti"/>
-        <a:font script="Viet" typeface="Arial"/>
-        <a:font script="Uigh" typeface="Microsoft Uighur"/>
-        <a:font script="Geor" typeface="Sylfaen"/>
-      </a:minorFont>
-    </a:fontScheme>
-    <a:fmtScheme name="Office">
-      <a:fillStyleLst>
-        <a:solidFill>
-          <a:schemeClr val="phClr"/>
-        </a:solidFill>
-        <a:gradFill rotWithShape="1">
-          <a:gsLst>
-            <a:gs pos="0">
-              <a:schemeClr val="phClr">
-                <a:lumMod val="110000"/>
-                <a:satMod val="105000"/>
-                <a:tint val="67000"/>
-              </a:schemeClr>
-            </a:gs>
-            <a:gs pos="50000">
-              <a:schemeClr val="phClr">
-                <a:lumMod val="105000"/>
-                <a:satMod val="103000"/>
-                <a:tint val="73000"/>
-              </a:schemeClr>
-            </a:gs>
-            <a:gs pos="100000">
-              <a:schemeClr val="phClr">
-                <a:lumMod val="105000"/>
-                <a:satMod val="109000"/>
-                <a:tint val="81000"/>
-              </a:schemeClr>
-            </a:gs>
-          </a:gsLst>
-          <a:lin ang="5400000" scaled="0"/>
-        </a:gradFill>
-        <a:gradFill rotWithShape="1">
-          <a:gsLst>
-            <a:gs pos="0">
-              <a:schemeClr val="phClr">
-                <a:satMod val="103000"/>
-                <a:lumMod val="102000"/>
-                <a:tint val="94000"/>
-              </a:schemeClr>
-            </a:gs>
-            <a:gs pos="50000">
-              <a:schemeClr val="phClr">
-                <a:satMod val="110000"/>
-                <a:lumMod val="100000"/>
-                <a:shade val="100000"/>
-              </a:schemeClr>
-            </a:gs>
-            <a:gs pos="100000">
-              <a:schemeClr val="phClr">
-                <a:lumMod val="99000"/>
-                <a:satMod val="120000"/>
-                <a:shade val="78000"/>
-              </a:schemeClr>
-            </a:gs>
-          </a:gsLst>
-          <a:lin ang="5400000" scaled="0"/>
-        </a:gradFill>
-      </a:fillStyleLst>
-      <a:lnStyleLst>
-        <a:ln w="6350" cap="flat" cmpd="sng" algn="ctr">
-          <a:solidFill>
-            <a:schemeClr val="phClr"/>
-          </a:solidFill>
-          <a:prstDash val="solid"/>
-          <a:miter lim="800000"/>
-        </a:ln>
-        <a:ln w="12700" cap="flat" cmpd="sng" algn="ctr">
-          <a:solidFill>
-            <a:schemeClr val="phClr"/>
-          </a:solidFill>
-          <a:prstDash val="solid"/>
-          <a:miter lim="800000"/>
-        </a:ln>
-        <a:ln w="19050" cap="flat" cmpd="sng" algn="ctr">
-          <a:solidFill>
-            <a:schemeClr val="phClr"/>
-          </a:solidFill>
-          <a:prstDash val="solid"/>
-          <a:miter lim="800000"/>
-        </a:ln>
-      </a:lnStyleLst>
-      <a:effectStyleLst>
-        <a:effectStyle>
-          <a:effectLst/>
-        </a:effectStyle>
-        <a:effectStyle>
-          <a:effectLst/>
-        </a:effectStyle>
-        <a:effectStyle>
-          <a:effectLst>
-            <a:outerShdw blurRad="57150" dist="19050" dir="5400000" algn="ctr" rotWithShape="0">
-              <a:srgbClr val="000000">
-                <a:alpha val="63000"/>
-              </a:srgbClr>
-            </a:outerShdw>
-          </a:effectLst>
-        </a:effectStyle>
-      </a:effectStyleLst>
-      <a:bgFillStyleLst>
-        <a:solidFill>
-          <a:schemeClr val="phClr"/>
-        </a:solidFill>
-        <a:solidFill>
-          <a:schemeClr val="phClr">
-            <a:tint val="95000"/>
-            <a:satMod val="170000"/>
-          </a:schemeClr>
-        </a:solidFill>
-        <a:gradFill rotWithShape="1">
-          <a:gsLst>
-            <a:gs pos="0">
-              <a:schemeClr val="phClr">
-                <a:tint val="93000"/>
-                <a:satMod val="150000"/>
-                <a:shade val="98000"/>
-                <a:lumMod val="102000"/>
-              </a:schemeClr>
-            </a:gs>
-            <a:gs pos="50000">
-              <a:schemeClr val="phClr">
-                <a:tint val="98000"/>
-                <a:satMod val="130000"/>
-                <a:shade val="90000"/>
-                <a:lumMod val="103000"/>
-              </a:schemeClr>
-            </a:gs>
-            <a:gs pos="100000">
-              <a:schemeClr val="phClr">
-                <a:shade val="63000"/>
-                <a:satMod val="120000"/>
-              </a:schemeClr>
-            </a:gs>
-          </a:gsLst>
-          <a:lin ang="5400000" scaled="0"/>
-        </a:gradFill>
-      </a:bgFillStyleLst>
-    </a:fmtScheme>
-  </a:themeElements>
-  <a:objectDefaults/>
-  <a:extraClrSchemeLst/>
-  <a:extLst>
-    <a:ext uri="{05A4C25C-085E-4340-85A3-A5531E510DB2}">
-      <thm15:themeFamily xmlns:thm15="http://schemas.microsoft.com/office/thememl/2012/main" name="Office Theme" id="{62F939B6-93AF-4DB8-9C6B-D6C7DFDC589F}" vid="{4A3C46E8-61CC-4603-A589-7422A47A8E4A}"/>
-    </a:ext>
-  </a:extLst>
-</a:theme>
 </file>